--- a/Agile Testing.pptx
+++ b/Agile Testing.pptx
@@ -6,7 +6,21 @@
   </p:sldMasterIdLst>
   <p:sldIdLst>
     <p:sldId id="256" r:id="rId2"/>
-    <p:sldId id="257" r:id="rId3"/>
+    <p:sldId id="258" r:id="rId3"/>
+    <p:sldId id="257" r:id="rId4"/>
+    <p:sldId id="259" r:id="rId5"/>
+    <p:sldId id="260" r:id="rId6"/>
+    <p:sldId id="261" r:id="rId7"/>
+    <p:sldId id="262" r:id="rId8"/>
+    <p:sldId id="263" r:id="rId9"/>
+    <p:sldId id="264" r:id="rId10"/>
+    <p:sldId id="265" r:id="rId11"/>
+    <p:sldId id="266" r:id="rId12"/>
+    <p:sldId id="267" r:id="rId13"/>
+    <p:sldId id="268" r:id="rId14"/>
+    <p:sldId id="269" r:id="rId15"/>
+    <p:sldId id="270" r:id="rId16"/>
+    <p:sldId id="271" r:id="rId17"/>
   </p:sldIdLst>
   <p:sldSz cx="9144000" cy="6858000" type="screen4x3"/>
   <p:notesSz cx="6858000" cy="9144000"/>
@@ -289,6 +303,7 @@
           <a:p>
             <a:fld id="{3B34F16B-C51D-4C42-ADE4-BDC381D9A265}" type="datetimeFigureOut">
               <a:rPr lang="zh-CN" altLang="en-US" smtClean="0"/>
+              <a:pPr/>
               <a:t>2017/7/23</a:t>
             </a:fld>
             <a:endParaRPr lang="zh-CN" altLang="en-US"/>
@@ -331,6 +346,7 @@
           <a:p>
             <a:fld id="{EC814308-5D62-44AA-A13B-3248D9AD9B65}" type="slidenum">
               <a:rPr lang="zh-CN" altLang="en-US" smtClean="0"/>
+              <a:pPr/>
               <a:t>‹#›</a:t>
             </a:fld>
             <a:endParaRPr lang="zh-CN" altLang="en-US"/>
@@ -454,6 +470,7 @@
           <a:p>
             <a:fld id="{3B34F16B-C51D-4C42-ADE4-BDC381D9A265}" type="datetimeFigureOut">
               <a:rPr lang="zh-CN" altLang="en-US" smtClean="0"/>
+              <a:pPr/>
               <a:t>2017/7/23</a:t>
             </a:fld>
             <a:endParaRPr lang="zh-CN" altLang="en-US"/>
@@ -496,6 +513,7 @@
           <a:p>
             <a:fld id="{EC814308-5D62-44AA-A13B-3248D9AD9B65}" type="slidenum">
               <a:rPr lang="zh-CN" altLang="en-US" smtClean="0"/>
+              <a:pPr/>
               <a:t>‹#›</a:t>
             </a:fld>
             <a:endParaRPr lang="zh-CN" altLang="en-US"/>
@@ -629,6 +647,7 @@
           <a:p>
             <a:fld id="{3B34F16B-C51D-4C42-ADE4-BDC381D9A265}" type="datetimeFigureOut">
               <a:rPr lang="zh-CN" altLang="en-US" smtClean="0"/>
+              <a:pPr/>
               <a:t>2017/7/23</a:t>
             </a:fld>
             <a:endParaRPr lang="zh-CN" altLang="en-US"/>
@@ -671,6 +690,7 @@
           <a:p>
             <a:fld id="{EC814308-5D62-44AA-A13B-3248D9AD9B65}" type="slidenum">
               <a:rPr lang="zh-CN" altLang="en-US" smtClean="0"/>
+              <a:pPr/>
               <a:t>‹#›</a:t>
             </a:fld>
             <a:endParaRPr lang="zh-CN" altLang="en-US"/>
@@ -794,6 +814,7 @@
           <a:p>
             <a:fld id="{3B34F16B-C51D-4C42-ADE4-BDC381D9A265}" type="datetimeFigureOut">
               <a:rPr lang="zh-CN" altLang="en-US" smtClean="0"/>
+              <a:pPr/>
               <a:t>2017/7/23</a:t>
             </a:fld>
             <a:endParaRPr lang="zh-CN" altLang="en-US"/>
@@ -836,6 +857,7 @@
           <a:p>
             <a:fld id="{EC814308-5D62-44AA-A13B-3248D9AD9B65}" type="slidenum">
               <a:rPr lang="zh-CN" altLang="en-US" smtClean="0"/>
+              <a:pPr/>
               <a:t>‹#›</a:t>
             </a:fld>
             <a:endParaRPr lang="zh-CN" altLang="en-US"/>
@@ -1035,6 +1057,7 @@
           <a:p>
             <a:fld id="{3B34F16B-C51D-4C42-ADE4-BDC381D9A265}" type="datetimeFigureOut">
               <a:rPr lang="zh-CN" altLang="en-US" smtClean="0"/>
+              <a:pPr/>
               <a:t>2017/7/23</a:t>
             </a:fld>
             <a:endParaRPr lang="zh-CN" altLang="en-US"/>
@@ -1077,6 +1100,7 @@
           <a:p>
             <a:fld id="{EC814308-5D62-44AA-A13B-3248D9AD9B65}" type="slidenum">
               <a:rPr lang="zh-CN" altLang="en-US" smtClean="0"/>
+              <a:pPr/>
               <a:t>‹#›</a:t>
             </a:fld>
             <a:endParaRPr lang="zh-CN" altLang="en-US"/>
@@ -1318,6 +1342,7 @@
           <a:p>
             <a:fld id="{3B34F16B-C51D-4C42-ADE4-BDC381D9A265}" type="datetimeFigureOut">
               <a:rPr lang="zh-CN" altLang="en-US" smtClean="0"/>
+              <a:pPr/>
               <a:t>2017/7/23</a:t>
             </a:fld>
             <a:endParaRPr lang="zh-CN" altLang="en-US"/>
@@ -1360,6 +1385,7 @@
           <a:p>
             <a:fld id="{EC814308-5D62-44AA-A13B-3248D9AD9B65}" type="slidenum">
               <a:rPr lang="zh-CN" altLang="en-US" smtClean="0"/>
+              <a:pPr/>
               <a:t>‹#›</a:t>
             </a:fld>
             <a:endParaRPr lang="zh-CN" altLang="en-US"/>
@@ -1735,6 +1761,7 @@
           <a:p>
             <a:fld id="{3B34F16B-C51D-4C42-ADE4-BDC381D9A265}" type="datetimeFigureOut">
               <a:rPr lang="zh-CN" altLang="en-US" smtClean="0"/>
+              <a:pPr/>
               <a:t>2017/7/23</a:t>
             </a:fld>
             <a:endParaRPr lang="zh-CN" altLang="en-US"/>
@@ -1777,6 +1804,7 @@
           <a:p>
             <a:fld id="{EC814308-5D62-44AA-A13B-3248D9AD9B65}" type="slidenum">
               <a:rPr lang="zh-CN" altLang="en-US" smtClean="0"/>
+              <a:pPr/>
               <a:t>‹#›</a:t>
             </a:fld>
             <a:endParaRPr lang="zh-CN" altLang="en-US"/>
@@ -1848,6 +1876,7 @@
           <a:p>
             <a:fld id="{3B34F16B-C51D-4C42-ADE4-BDC381D9A265}" type="datetimeFigureOut">
               <a:rPr lang="zh-CN" altLang="en-US" smtClean="0"/>
+              <a:pPr/>
               <a:t>2017/7/23</a:t>
             </a:fld>
             <a:endParaRPr lang="zh-CN" altLang="en-US"/>
@@ -1890,6 +1919,7 @@
           <a:p>
             <a:fld id="{EC814308-5D62-44AA-A13B-3248D9AD9B65}" type="slidenum">
               <a:rPr lang="zh-CN" altLang="en-US" smtClean="0"/>
+              <a:pPr/>
               <a:t>‹#›</a:t>
             </a:fld>
             <a:endParaRPr lang="zh-CN" altLang="en-US"/>
@@ -1938,6 +1968,7 @@
           <a:p>
             <a:fld id="{3B34F16B-C51D-4C42-ADE4-BDC381D9A265}" type="datetimeFigureOut">
               <a:rPr lang="zh-CN" altLang="en-US" smtClean="0"/>
+              <a:pPr/>
               <a:t>2017/7/23</a:t>
             </a:fld>
             <a:endParaRPr lang="zh-CN" altLang="en-US"/>
@@ -1980,6 +2011,7 @@
           <a:p>
             <a:fld id="{EC814308-5D62-44AA-A13B-3248D9AD9B65}" type="slidenum">
               <a:rPr lang="zh-CN" altLang="en-US" smtClean="0"/>
+              <a:pPr/>
               <a:t>‹#›</a:t>
             </a:fld>
             <a:endParaRPr lang="zh-CN" altLang="en-US"/>
@@ -2210,6 +2242,7 @@
           <a:p>
             <a:fld id="{3B34F16B-C51D-4C42-ADE4-BDC381D9A265}" type="datetimeFigureOut">
               <a:rPr lang="zh-CN" altLang="en-US" smtClean="0"/>
+              <a:pPr/>
               <a:t>2017/7/23</a:t>
             </a:fld>
             <a:endParaRPr lang="zh-CN" altLang="en-US"/>
@@ -2252,6 +2285,7 @@
           <a:p>
             <a:fld id="{EC814308-5D62-44AA-A13B-3248D9AD9B65}" type="slidenum">
               <a:rPr lang="zh-CN" altLang="en-US" smtClean="0"/>
+              <a:pPr/>
               <a:t>‹#›</a:t>
             </a:fld>
             <a:endParaRPr lang="zh-CN" altLang="en-US"/>
@@ -2458,6 +2492,7 @@
           <a:p>
             <a:fld id="{3B34F16B-C51D-4C42-ADE4-BDC381D9A265}" type="datetimeFigureOut">
               <a:rPr lang="zh-CN" altLang="en-US" smtClean="0"/>
+              <a:pPr/>
               <a:t>2017/7/23</a:t>
             </a:fld>
             <a:endParaRPr lang="zh-CN" altLang="en-US"/>
@@ -2500,6 +2535,7 @@
           <a:p>
             <a:fld id="{EC814308-5D62-44AA-A13B-3248D9AD9B65}" type="slidenum">
               <a:rPr lang="zh-CN" altLang="en-US" smtClean="0"/>
+              <a:pPr/>
               <a:t>‹#›</a:t>
             </a:fld>
             <a:endParaRPr lang="zh-CN" altLang="en-US"/>
@@ -2666,6 +2702,7 @@
           <a:p>
             <a:fld id="{3B34F16B-C51D-4C42-ADE4-BDC381D9A265}" type="datetimeFigureOut">
               <a:rPr lang="zh-CN" altLang="en-US" smtClean="0"/>
+              <a:pPr/>
               <a:t>2017/7/23</a:t>
             </a:fld>
             <a:endParaRPr lang="zh-CN" altLang="en-US"/>
@@ -2744,6 +2781,7 @@
           <a:p>
             <a:fld id="{EC814308-5D62-44AA-A13B-3248D9AD9B65}" type="slidenum">
               <a:rPr lang="zh-CN" altLang="en-US" smtClean="0"/>
+              <a:pPr/>
               <a:t>‹#›</a:t>
             </a:fld>
             <a:endParaRPr lang="zh-CN" altLang="en-US"/>
@@ -3052,29 +3090,1532 @@
           <a:lstStyle/>
           <a:p>
             <a:r>
-              <a:rPr lang="zh-CN" altLang="en-US" smtClean="0"/>
+              <a:rPr lang="zh-CN" altLang="en-US" dirty="0" smtClean="0">
+                <a:latin typeface="微软雅黑" pitchFamily="34" charset="-122"/>
+                <a:ea typeface="微软雅黑" pitchFamily="34" charset="-122"/>
+              </a:rPr>
               <a:t>敏捷软件测试</a:t>
             </a:r>
+            <a:endParaRPr lang="zh-CN" altLang="en-US" dirty="0">
+              <a:latin typeface="微软雅黑" pitchFamily="34" charset="-122"/>
+              <a:ea typeface="微软雅黑" pitchFamily="34" charset="-122"/>
+            </a:endParaRPr>
+          </a:p>
+        </p:txBody>
+      </p:sp>
+      <p:sp>
+        <p:nvSpPr>
+          <p:cNvPr id="3" name="副标题 2"/>
+          <p:cNvSpPr>
+            <a:spLocks noGrp="1"/>
+          </p:cNvSpPr>
+          <p:nvPr>
+            <p:ph type="subTitle" idx="1"/>
+          </p:nvPr>
+        </p:nvSpPr>
+        <p:spPr/>
+        <p:txBody>
+          <a:bodyPr/>
+          <a:lstStyle/>
+          <a:p>
+            <a:r>
+              <a:rPr lang="zh-CN" altLang="en-US" dirty="0" smtClean="0"/>
+              <a:t>王辉</a:t>
+            </a:r>
             <a:endParaRPr lang="zh-CN" altLang="en-US" dirty="0"/>
           </a:p>
         </p:txBody>
       </p:sp>
-      <p:sp>
-        <p:nvSpPr>
-          <p:cNvPr id="3" name="副标题 2"/>
-          <p:cNvSpPr>
-            <a:spLocks noGrp="1"/>
-          </p:cNvSpPr>
-          <p:nvPr>
-            <p:ph type="subTitle" idx="1"/>
-          </p:nvPr>
-        </p:nvSpPr>
-        <p:spPr/>
-        <p:txBody>
-          <a:bodyPr/>
-          <a:lstStyle/>
-          <a:p>
-            <a:endParaRPr lang="zh-CN" altLang="en-US"/>
+    </p:spTree>
+  </p:cSld>
+  <p:clrMapOvr>
+    <a:masterClrMapping/>
+  </p:clrMapOvr>
+</p:sld>
+</file>
+
+<file path=ppt/slides/slide10.xml><?xml version="1.0" encoding="utf-8"?>
+<p:sld xmlns:a="http://schemas.openxmlformats.org/drawingml/2006/main" xmlns:r="http://schemas.openxmlformats.org/officeDocument/2006/relationships" xmlns:p="http://schemas.openxmlformats.org/presentationml/2006/main">
+  <p:cSld>
+    <p:spTree>
+      <p:nvGrpSpPr>
+        <p:cNvPr id="1" name=""/>
+        <p:cNvGrpSpPr/>
+        <p:nvPr/>
+      </p:nvGrpSpPr>
+      <p:grpSpPr>
+        <a:xfrm>
+          <a:off x="0" y="0"/>
+          <a:ext cx="0" cy="0"/>
+          <a:chOff x="0" y="0"/>
+          <a:chExt cx="0" cy="0"/>
+        </a:xfrm>
+      </p:grpSpPr>
+      <p:sp>
+        <p:nvSpPr>
+          <p:cNvPr id="2" name="标题 1"/>
+          <p:cNvSpPr>
+            <a:spLocks noGrp="1"/>
+          </p:cNvSpPr>
+          <p:nvPr>
+            <p:ph type="title"/>
+          </p:nvPr>
+        </p:nvSpPr>
+        <p:spPr/>
+        <p:txBody>
+          <a:bodyPr/>
+          <a:lstStyle/>
+          <a:p>
+            <a:r>
+              <a:rPr lang="en-US" altLang="zh-CN" dirty="0" smtClean="0"/>
+              <a:t>DoD</a:t>
+            </a:r>
+            <a:endParaRPr lang="zh-CN" altLang="en-US" dirty="0"/>
+          </a:p>
+        </p:txBody>
+      </p:sp>
+      <p:sp>
+        <p:nvSpPr>
+          <p:cNvPr id="3" name="内容占位符 2"/>
+          <p:cNvSpPr>
+            <a:spLocks noGrp="1"/>
+          </p:cNvSpPr>
+          <p:nvPr>
+            <p:ph idx="1"/>
+          </p:nvPr>
+        </p:nvSpPr>
+        <p:spPr/>
+        <p:txBody>
+          <a:bodyPr>
+            <a:normAutofit fontScale="85000" lnSpcReduction="10000"/>
+          </a:bodyPr>
+          <a:lstStyle/>
+          <a:p>
+            <a:pPr>
+              <a:lnSpc>
+                <a:spcPct val="150000"/>
+              </a:lnSpc>
+            </a:pPr>
+            <a:r>
+              <a:rPr lang="zh-CN" altLang="en-US" dirty="0" smtClean="0">
+                <a:latin typeface="微软雅黑" pitchFamily="34" charset="-122"/>
+                <a:ea typeface="微软雅黑" pitchFamily="34" charset="-122"/>
+              </a:rPr>
+              <a:t>所有的四类测试，使我们相信产生了正确的价值</a:t>
+            </a:r>
+            <a:endParaRPr lang="en-US" altLang="zh-CN" dirty="0" smtClean="0">
+              <a:latin typeface="微软雅黑" pitchFamily="34" charset="-122"/>
+              <a:ea typeface="微软雅黑" pitchFamily="34" charset="-122"/>
+            </a:endParaRPr>
+          </a:p>
+          <a:p>
+            <a:pPr>
+              <a:lnSpc>
+                <a:spcPct val="150000"/>
+              </a:lnSpc>
+            </a:pPr>
+            <a:r>
+              <a:rPr lang="zh-CN" altLang="en-US" dirty="0" smtClean="0">
+                <a:latin typeface="微软雅黑" pitchFamily="34" charset="-122"/>
+                <a:ea typeface="微软雅黑" pitchFamily="34" charset="-122"/>
+              </a:rPr>
+              <a:t>不</a:t>
+            </a:r>
+            <a:r>
+              <a:rPr lang="zh-CN" altLang="en-US" dirty="0" smtClean="0">
+                <a:latin typeface="微软雅黑" pitchFamily="34" charset="-122"/>
+                <a:ea typeface="微软雅黑" pitchFamily="34" charset="-122"/>
+              </a:rPr>
+              <a:t>是所有的</a:t>
+            </a:r>
+            <a:r>
+              <a:rPr lang="en-US" altLang="zh-CN" dirty="0" smtClean="0">
+                <a:latin typeface="微软雅黑" pitchFamily="34" charset="-122"/>
+                <a:ea typeface="微软雅黑" pitchFamily="34" charset="-122"/>
+              </a:rPr>
+              <a:t>US</a:t>
+            </a:r>
+            <a:r>
+              <a:rPr lang="zh-CN" altLang="en-US" dirty="0" smtClean="0">
+                <a:latin typeface="微软雅黑" pitchFamily="34" charset="-122"/>
+                <a:ea typeface="微软雅黑" pitchFamily="34" charset="-122"/>
+              </a:rPr>
+              <a:t>都需要所有的测试</a:t>
+            </a:r>
+            <a:endParaRPr lang="en-US" altLang="zh-CN" dirty="0" smtClean="0">
+              <a:latin typeface="微软雅黑" pitchFamily="34" charset="-122"/>
+              <a:ea typeface="微软雅黑" pitchFamily="34" charset="-122"/>
+            </a:endParaRPr>
+          </a:p>
+          <a:p>
+            <a:pPr>
+              <a:lnSpc>
+                <a:spcPct val="150000"/>
+              </a:lnSpc>
+            </a:pPr>
+            <a:r>
+              <a:rPr lang="zh-CN" altLang="en-US" dirty="0" smtClean="0">
+                <a:latin typeface="微软雅黑" pitchFamily="34" charset="-122"/>
+                <a:ea typeface="微软雅黑" pitchFamily="34" charset="-122"/>
+              </a:rPr>
+              <a:t>使用敏捷测试象限来帮助确保所有必需的测试在正确的时间运</a:t>
+            </a:r>
+            <a:r>
+              <a:rPr lang="zh-CN" altLang="en-US" dirty="0" smtClean="0">
+                <a:latin typeface="微软雅黑" pitchFamily="34" charset="-122"/>
+                <a:ea typeface="微软雅黑" pitchFamily="34" charset="-122"/>
+              </a:rPr>
+              <a:t>行</a:t>
+            </a:r>
+            <a:endParaRPr lang="en-US" altLang="zh-CN" dirty="0" smtClean="0">
+              <a:latin typeface="微软雅黑" pitchFamily="34" charset="-122"/>
+              <a:ea typeface="微软雅黑" pitchFamily="34" charset="-122"/>
+            </a:endParaRPr>
+          </a:p>
+          <a:p>
+            <a:pPr>
+              <a:lnSpc>
+                <a:spcPct val="150000"/>
+              </a:lnSpc>
+            </a:pPr>
+            <a:r>
+              <a:rPr lang="zh-CN" altLang="en-US" dirty="0" smtClean="0">
+                <a:latin typeface="微软雅黑" pitchFamily="34" charset="-122"/>
+                <a:ea typeface="微软雅黑" pitchFamily="34" charset="-122"/>
+              </a:rPr>
+              <a:t>责</a:t>
+            </a:r>
+            <a:r>
+              <a:rPr lang="zh-CN" altLang="en-US" dirty="0" smtClean="0">
+                <a:latin typeface="微软雅黑" pitchFamily="34" charset="-122"/>
+                <a:ea typeface="微软雅黑" pitchFamily="34" charset="-122"/>
+              </a:rPr>
+              <a:t>任共享。团队需要各个方面的专家，共同为所有四个象限的测试负责</a:t>
+            </a:r>
+            <a:endParaRPr lang="en-US" altLang="zh-CN" dirty="0" smtClean="0">
+              <a:latin typeface="微软雅黑" pitchFamily="34" charset="-122"/>
+              <a:ea typeface="微软雅黑" pitchFamily="34" charset="-122"/>
+            </a:endParaRPr>
+          </a:p>
+          <a:p>
+            <a:pPr>
+              <a:lnSpc>
+                <a:spcPct val="150000"/>
+              </a:lnSpc>
+            </a:pPr>
+            <a:endParaRPr lang="zh-CN" altLang="en-US" dirty="0" smtClean="0">
+              <a:latin typeface="微软雅黑" pitchFamily="34" charset="-122"/>
+              <a:ea typeface="微软雅黑" pitchFamily="34" charset="-122"/>
+            </a:endParaRPr>
+          </a:p>
+          <a:p>
+            <a:pPr>
+              <a:lnSpc>
+                <a:spcPct val="150000"/>
+              </a:lnSpc>
+            </a:pPr>
+            <a:endParaRPr lang="zh-CN" altLang="en-US" dirty="0">
+              <a:latin typeface="微软雅黑" pitchFamily="34" charset="-122"/>
+              <a:ea typeface="微软雅黑" pitchFamily="34" charset="-122"/>
+            </a:endParaRPr>
+          </a:p>
+        </p:txBody>
+      </p:sp>
+    </p:spTree>
+  </p:cSld>
+  <p:clrMapOvr>
+    <a:masterClrMapping/>
+  </p:clrMapOvr>
+</p:sld>
+</file>
+
+<file path=ppt/slides/slide11.xml><?xml version="1.0" encoding="utf-8"?>
+<p:sld xmlns:a="http://schemas.openxmlformats.org/drawingml/2006/main" xmlns:r="http://schemas.openxmlformats.org/officeDocument/2006/relationships" xmlns:p="http://schemas.openxmlformats.org/presentationml/2006/main">
+  <p:cSld>
+    <p:spTree>
+      <p:nvGrpSpPr>
+        <p:cNvPr id="1" name=""/>
+        <p:cNvGrpSpPr/>
+        <p:nvPr/>
+      </p:nvGrpSpPr>
+      <p:grpSpPr>
+        <a:xfrm>
+          <a:off x="0" y="0"/>
+          <a:ext cx="0" cy="0"/>
+          <a:chOff x="0" y="0"/>
+          <a:chExt cx="0" cy="0"/>
+        </a:xfrm>
+      </p:grpSpPr>
+      <p:sp>
+        <p:nvSpPr>
+          <p:cNvPr id="2" name="标题 1"/>
+          <p:cNvSpPr>
+            <a:spLocks noGrp="1"/>
+          </p:cNvSpPr>
+          <p:nvPr>
+            <p:ph type="title"/>
+          </p:nvPr>
+        </p:nvSpPr>
+        <p:spPr/>
+        <p:txBody>
+          <a:bodyPr/>
+          <a:lstStyle/>
+          <a:p>
+            <a:r>
+              <a:rPr lang="zh-CN" altLang="en-US" dirty="0" smtClean="0">
+                <a:latin typeface="微软雅黑" pitchFamily="34" charset="-122"/>
+                <a:ea typeface="微软雅黑" pitchFamily="34" charset="-122"/>
+              </a:rPr>
+              <a:t>管理技术债务</a:t>
+            </a:r>
+            <a:endParaRPr lang="zh-CN" altLang="en-US" dirty="0">
+              <a:latin typeface="微软雅黑" pitchFamily="34" charset="-122"/>
+              <a:ea typeface="微软雅黑" pitchFamily="34" charset="-122"/>
+            </a:endParaRPr>
+          </a:p>
+        </p:txBody>
+      </p:sp>
+      <p:sp>
+        <p:nvSpPr>
+          <p:cNvPr id="3" name="内容占位符 2"/>
+          <p:cNvSpPr>
+            <a:spLocks noGrp="1"/>
+          </p:cNvSpPr>
+          <p:nvPr>
+            <p:ph idx="1"/>
+          </p:nvPr>
+        </p:nvSpPr>
+        <p:spPr/>
+        <p:txBody>
+          <a:bodyPr/>
+          <a:lstStyle/>
+          <a:p>
+            <a:pPr>
+              <a:lnSpc>
+                <a:spcPct val="150000"/>
+              </a:lnSpc>
+            </a:pPr>
+            <a:r>
+              <a:rPr lang="zh-CN" altLang="en-US" dirty="0" smtClean="0">
+                <a:latin typeface="微软雅黑" pitchFamily="34" charset="-122"/>
+                <a:ea typeface="微软雅黑" pitchFamily="34" charset="-122"/>
+              </a:rPr>
+              <a:t>欲速则不达</a:t>
+            </a:r>
+            <a:endParaRPr lang="en-US" altLang="zh-CN" dirty="0" smtClean="0">
+              <a:latin typeface="微软雅黑" pitchFamily="34" charset="-122"/>
+              <a:ea typeface="微软雅黑" pitchFamily="34" charset="-122"/>
+            </a:endParaRPr>
+          </a:p>
+          <a:p>
+            <a:pPr lvl="1">
+              <a:lnSpc>
+                <a:spcPct val="150000"/>
+              </a:lnSpc>
+            </a:pPr>
+            <a:r>
+              <a:rPr lang="zh-CN" altLang="en-US" dirty="0" smtClean="0">
+                <a:latin typeface="微软雅黑" pitchFamily="34" charset="-122"/>
+                <a:ea typeface="微软雅黑" pitchFamily="34" charset="-122"/>
+              </a:rPr>
+              <a:t>忽略测试</a:t>
+            </a:r>
+            <a:endParaRPr lang="en-US" altLang="zh-CN" dirty="0" smtClean="0">
+              <a:latin typeface="微软雅黑" pitchFamily="34" charset="-122"/>
+              <a:ea typeface="微软雅黑" pitchFamily="34" charset="-122"/>
+            </a:endParaRPr>
+          </a:p>
+          <a:p>
+            <a:pPr lvl="1">
+              <a:lnSpc>
+                <a:spcPct val="150000"/>
+              </a:lnSpc>
+            </a:pPr>
+            <a:r>
+              <a:rPr lang="zh-CN" altLang="en-US" dirty="0" smtClean="0">
+                <a:latin typeface="微软雅黑" pitchFamily="34" charset="-122"/>
+                <a:ea typeface="微软雅黑" pitchFamily="34" charset="-122"/>
+              </a:rPr>
+              <a:t>忽</a:t>
+            </a:r>
+            <a:r>
+              <a:rPr lang="zh-CN" altLang="en-US" dirty="0" smtClean="0">
+                <a:latin typeface="微软雅黑" pitchFamily="34" charset="-122"/>
+                <a:ea typeface="微软雅黑" pitchFamily="34" charset="-122"/>
+              </a:rPr>
+              <a:t>略自动化</a:t>
+            </a:r>
+            <a:endParaRPr lang="en-US" altLang="zh-CN" dirty="0" smtClean="0">
+              <a:latin typeface="微软雅黑" pitchFamily="34" charset="-122"/>
+              <a:ea typeface="微软雅黑" pitchFamily="34" charset="-122"/>
+            </a:endParaRPr>
+          </a:p>
+          <a:p>
+            <a:pPr>
+              <a:lnSpc>
+                <a:spcPct val="150000"/>
+              </a:lnSpc>
+            </a:pPr>
+            <a:r>
+              <a:rPr lang="zh-CN" altLang="en-US" dirty="0" smtClean="0">
+                <a:latin typeface="微软雅黑" pitchFamily="34" charset="-122"/>
+                <a:ea typeface="微软雅黑" pitchFamily="34" charset="-122"/>
+              </a:rPr>
+              <a:t>通过测试象限指引技术债务的管理</a:t>
+            </a:r>
+            <a:endParaRPr lang="zh-CN" altLang="en-US" dirty="0">
+              <a:latin typeface="微软雅黑" pitchFamily="34" charset="-122"/>
+              <a:ea typeface="微软雅黑" pitchFamily="34" charset="-122"/>
+            </a:endParaRPr>
+          </a:p>
+        </p:txBody>
+      </p:sp>
+    </p:spTree>
+  </p:cSld>
+  <p:clrMapOvr>
+    <a:masterClrMapping/>
+  </p:clrMapOvr>
+</p:sld>
+</file>
+
+<file path=ppt/slides/slide12.xml><?xml version="1.0" encoding="utf-8"?>
+<p:sld xmlns:a="http://schemas.openxmlformats.org/drawingml/2006/main" xmlns:r="http://schemas.openxmlformats.org/officeDocument/2006/relationships" xmlns:p="http://schemas.openxmlformats.org/presentationml/2006/main">
+  <p:cSld>
+    <p:spTree>
+      <p:nvGrpSpPr>
+        <p:cNvPr id="1" name=""/>
+        <p:cNvGrpSpPr/>
+        <p:nvPr/>
+      </p:nvGrpSpPr>
+      <p:grpSpPr>
+        <a:xfrm>
+          <a:off x="0" y="0"/>
+          <a:ext cx="0" cy="0"/>
+          <a:chOff x="0" y="0"/>
+          <a:chExt cx="0" cy="0"/>
+        </a:xfrm>
+      </p:grpSpPr>
+      <p:sp>
+        <p:nvSpPr>
+          <p:cNvPr id="2" name="标题 1"/>
+          <p:cNvSpPr>
+            <a:spLocks noGrp="1"/>
+          </p:cNvSpPr>
+          <p:nvPr>
+            <p:ph type="title"/>
+          </p:nvPr>
+        </p:nvSpPr>
+        <p:spPr/>
+        <p:txBody>
+          <a:bodyPr/>
+          <a:lstStyle/>
+          <a:p>
+            <a:r>
+              <a:rPr lang="zh-CN" altLang="en-US" dirty="0" smtClean="0">
+                <a:latin typeface="微软雅黑" pitchFamily="34" charset="-122"/>
+                <a:ea typeface="微软雅黑" pitchFamily="34" charset="-122"/>
+              </a:rPr>
+              <a:t>上下文环境</a:t>
+            </a:r>
+            <a:endParaRPr lang="zh-CN" altLang="en-US" dirty="0">
+              <a:latin typeface="微软雅黑" pitchFamily="34" charset="-122"/>
+              <a:ea typeface="微软雅黑" pitchFamily="34" charset="-122"/>
+            </a:endParaRPr>
+          </a:p>
+        </p:txBody>
+      </p:sp>
+      <p:sp>
+        <p:nvSpPr>
+          <p:cNvPr id="3" name="内容占位符 2"/>
+          <p:cNvSpPr>
+            <a:spLocks noGrp="1"/>
+          </p:cNvSpPr>
+          <p:nvPr>
+            <p:ph idx="1"/>
+          </p:nvPr>
+        </p:nvSpPr>
+        <p:spPr/>
+        <p:txBody>
+          <a:bodyPr>
+            <a:normAutofit fontScale="62500" lnSpcReduction="20000"/>
+          </a:bodyPr>
+          <a:lstStyle/>
+          <a:p>
+            <a:pPr>
+              <a:lnSpc>
+                <a:spcPct val="170000"/>
+              </a:lnSpc>
+            </a:pPr>
+            <a:r>
+              <a:rPr lang="zh-CN" altLang="en-US" dirty="0" smtClean="0">
+                <a:latin typeface="微软雅黑" pitchFamily="34" charset="-122"/>
+                <a:ea typeface="微软雅黑" pitchFamily="34" charset="-122"/>
+              </a:rPr>
+              <a:t>任何实践的价值依赖于其上下文环境。</a:t>
+            </a:r>
+            <a:endParaRPr lang="en-US" altLang="zh-CN" dirty="0" smtClean="0">
+              <a:latin typeface="微软雅黑" pitchFamily="34" charset="-122"/>
+              <a:ea typeface="微软雅黑" pitchFamily="34" charset="-122"/>
+            </a:endParaRPr>
+          </a:p>
+          <a:p>
+            <a:pPr>
+              <a:lnSpc>
+                <a:spcPct val="170000"/>
+              </a:lnSpc>
+            </a:pPr>
+            <a:r>
+              <a:rPr lang="zh-CN" altLang="en-US" dirty="0" smtClean="0">
+                <a:latin typeface="微软雅黑" pitchFamily="34" charset="-122"/>
+                <a:ea typeface="微软雅黑" pitchFamily="34" charset="-122"/>
+              </a:rPr>
+              <a:t>存</a:t>
+            </a:r>
+            <a:r>
+              <a:rPr lang="zh-CN" altLang="en-US" dirty="0" smtClean="0">
+                <a:latin typeface="微软雅黑" pitchFamily="34" charset="-122"/>
+                <a:ea typeface="微软雅黑" pitchFamily="34" charset="-122"/>
+              </a:rPr>
+              <a:t>在上下文环境中的优秀实践，但没有最优实践。</a:t>
+            </a:r>
+            <a:endParaRPr lang="en-US" altLang="zh-CN" dirty="0" smtClean="0">
+              <a:latin typeface="微软雅黑" pitchFamily="34" charset="-122"/>
+              <a:ea typeface="微软雅黑" pitchFamily="34" charset="-122"/>
+            </a:endParaRPr>
+          </a:p>
+          <a:p>
+            <a:pPr>
+              <a:lnSpc>
+                <a:spcPct val="170000"/>
+              </a:lnSpc>
+            </a:pPr>
+            <a:r>
+              <a:rPr lang="zh-CN" altLang="en-US" dirty="0" smtClean="0">
+                <a:latin typeface="微软雅黑" pitchFamily="34" charset="-122"/>
+                <a:ea typeface="微软雅黑" pitchFamily="34" charset="-122"/>
+              </a:rPr>
+              <a:t>人</a:t>
+            </a:r>
+            <a:r>
+              <a:rPr lang="zh-CN" altLang="en-US" dirty="0" smtClean="0">
+                <a:latin typeface="微软雅黑" pitchFamily="34" charset="-122"/>
+                <a:ea typeface="微软雅黑" pitchFamily="34" charset="-122"/>
+              </a:rPr>
+              <a:t>们共同工作是任何项目的上下文环境的最重要部分</a:t>
+            </a:r>
+            <a:r>
+              <a:rPr lang="zh-CN" altLang="en-US" dirty="0" smtClean="0">
+                <a:latin typeface="微软雅黑" pitchFamily="34" charset="-122"/>
+                <a:ea typeface="微软雅黑" pitchFamily="34" charset="-122"/>
+              </a:rPr>
+              <a:t>。</a:t>
+            </a:r>
+            <a:endParaRPr lang="en-US" altLang="zh-CN" dirty="0" smtClean="0">
+              <a:latin typeface="微软雅黑" pitchFamily="34" charset="-122"/>
+              <a:ea typeface="微软雅黑" pitchFamily="34" charset="-122"/>
+            </a:endParaRPr>
+          </a:p>
+          <a:p>
+            <a:pPr>
+              <a:lnSpc>
+                <a:spcPct val="170000"/>
+              </a:lnSpc>
+            </a:pPr>
+            <a:r>
+              <a:rPr lang="zh-CN" altLang="en-US" dirty="0" smtClean="0">
+                <a:latin typeface="微软雅黑" pitchFamily="34" charset="-122"/>
+                <a:ea typeface="微软雅黑" pitchFamily="34" charset="-122"/>
+              </a:rPr>
+              <a:t>项</a:t>
+            </a:r>
+            <a:r>
+              <a:rPr lang="zh-CN" altLang="en-US" dirty="0" smtClean="0">
+                <a:latin typeface="微软雅黑" pitchFamily="34" charset="-122"/>
+                <a:ea typeface="微软雅黑" pitchFamily="34" charset="-122"/>
+              </a:rPr>
+              <a:t>目随着时间以通常不能预测的方式发展。</a:t>
+            </a:r>
+            <a:endParaRPr lang="en-US" altLang="zh-CN" dirty="0" smtClean="0">
+              <a:latin typeface="微软雅黑" pitchFamily="34" charset="-122"/>
+              <a:ea typeface="微软雅黑" pitchFamily="34" charset="-122"/>
+            </a:endParaRPr>
+          </a:p>
+          <a:p>
+            <a:pPr>
+              <a:lnSpc>
+                <a:spcPct val="170000"/>
+              </a:lnSpc>
+            </a:pPr>
+            <a:r>
+              <a:rPr lang="zh-CN" altLang="en-US" dirty="0" smtClean="0">
+                <a:latin typeface="微软雅黑" pitchFamily="34" charset="-122"/>
+                <a:ea typeface="微软雅黑" pitchFamily="34" charset="-122"/>
+              </a:rPr>
+              <a:t>产</a:t>
+            </a:r>
+            <a:r>
+              <a:rPr lang="zh-CN" altLang="en-US" dirty="0" smtClean="0">
+                <a:latin typeface="微软雅黑" pitchFamily="34" charset="-122"/>
+                <a:ea typeface="微软雅黑" pitchFamily="34" charset="-122"/>
+              </a:rPr>
+              <a:t>品是一个解决方案。如果没有解决问题，那么产品是不能运转的</a:t>
+            </a:r>
+            <a:endParaRPr lang="en-US" altLang="zh-CN" dirty="0" smtClean="0">
+              <a:latin typeface="微软雅黑" pitchFamily="34" charset="-122"/>
+              <a:ea typeface="微软雅黑" pitchFamily="34" charset="-122"/>
+            </a:endParaRPr>
+          </a:p>
+          <a:p>
+            <a:pPr>
+              <a:lnSpc>
+                <a:spcPct val="170000"/>
+              </a:lnSpc>
+            </a:pPr>
+            <a:r>
+              <a:rPr lang="zh-CN" altLang="en-US" dirty="0" smtClean="0">
+                <a:latin typeface="微软雅黑" pitchFamily="34" charset="-122"/>
+                <a:ea typeface="微软雅黑" pitchFamily="34" charset="-122"/>
+              </a:rPr>
+              <a:t>出</a:t>
+            </a:r>
+            <a:r>
+              <a:rPr lang="zh-CN" altLang="en-US" dirty="0" smtClean="0">
+                <a:latin typeface="微软雅黑" pitchFamily="34" charset="-122"/>
+                <a:ea typeface="微软雅黑" pitchFamily="34" charset="-122"/>
+              </a:rPr>
+              <a:t>色的软件测试是一个挑战性的智力过程。</a:t>
+            </a:r>
+            <a:endParaRPr lang="en-US" altLang="zh-CN" dirty="0" smtClean="0">
+              <a:latin typeface="微软雅黑" pitchFamily="34" charset="-122"/>
+              <a:ea typeface="微软雅黑" pitchFamily="34" charset="-122"/>
+            </a:endParaRPr>
+          </a:p>
+          <a:p>
+            <a:pPr>
+              <a:lnSpc>
+                <a:spcPct val="170000"/>
+              </a:lnSpc>
+            </a:pPr>
+            <a:r>
+              <a:rPr lang="zh-CN" altLang="en-US" dirty="0" smtClean="0">
+                <a:latin typeface="微软雅黑" pitchFamily="34" charset="-122"/>
+                <a:ea typeface="微软雅黑" pitchFamily="34" charset="-122"/>
+              </a:rPr>
+              <a:t>只</a:t>
+            </a:r>
+            <a:r>
+              <a:rPr lang="zh-CN" altLang="en-US" dirty="0" smtClean="0">
+                <a:latin typeface="微软雅黑" pitchFamily="34" charset="-122"/>
+                <a:ea typeface="微软雅黑" pitchFamily="34" charset="-122"/>
+              </a:rPr>
+              <a:t>有通过判断和技巧，在整个项目中合作实践，才可以在正确的时间做正确的事情，有效地测试我们的产品。</a:t>
+            </a:r>
+            <a:endParaRPr lang="zh-CN" altLang="en-US" dirty="0">
+              <a:latin typeface="微软雅黑" pitchFamily="34" charset="-122"/>
+              <a:ea typeface="微软雅黑" pitchFamily="34" charset="-122"/>
+            </a:endParaRPr>
+          </a:p>
+        </p:txBody>
+      </p:sp>
+    </p:spTree>
+  </p:cSld>
+  <p:clrMapOvr>
+    <a:masterClrMapping/>
+  </p:clrMapOvr>
+</p:sld>
+</file>
+
+<file path=ppt/slides/slide13.xml><?xml version="1.0" encoding="utf-8"?>
+<p:sld xmlns:a="http://schemas.openxmlformats.org/drawingml/2006/main" xmlns:r="http://schemas.openxmlformats.org/officeDocument/2006/relationships" xmlns:p="http://schemas.openxmlformats.org/presentationml/2006/main">
+  <p:cSld>
+    <p:spTree>
+      <p:nvGrpSpPr>
+        <p:cNvPr id="1" name=""/>
+        <p:cNvGrpSpPr/>
+        <p:nvPr/>
+      </p:nvGrpSpPr>
+      <p:grpSpPr>
+        <a:xfrm>
+          <a:off x="0" y="0"/>
+          <a:ext cx="0" cy="0"/>
+          <a:chOff x="0" y="0"/>
+          <a:chExt cx="0" cy="0"/>
+        </a:xfrm>
+      </p:grpSpPr>
+      <p:sp>
+        <p:nvSpPr>
+          <p:cNvPr id="2" name="标题 1"/>
+          <p:cNvSpPr>
+            <a:spLocks noGrp="1"/>
+          </p:cNvSpPr>
+          <p:nvPr>
+            <p:ph type="title"/>
+          </p:nvPr>
+        </p:nvSpPr>
+        <p:spPr/>
+        <p:txBody>
+          <a:bodyPr/>
+          <a:lstStyle/>
+          <a:p>
+            <a:r>
+              <a:rPr lang="zh-CN" altLang="en-US" dirty="0" smtClean="0">
+                <a:latin typeface="微软雅黑" pitchFamily="34" charset="-122"/>
+                <a:ea typeface="微软雅黑" pitchFamily="34" charset="-122"/>
+              </a:rPr>
+              <a:t>支持团队的面向技术的测试</a:t>
+            </a:r>
+            <a:endParaRPr lang="zh-CN" altLang="en-US" dirty="0">
+              <a:latin typeface="微软雅黑" pitchFamily="34" charset="-122"/>
+              <a:ea typeface="微软雅黑" pitchFamily="34" charset="-122"/>
+            </a:endParaRPr>
+          </a:p>
+        </p:txBody>
+      </p:sp>
+      <p:sp>
+        <p:nvSpPr>
+          <p:cNvPr id="3" name="内容占位符 2"/>
+          <p:cNvSpPr>
+            <a:spLocks noGrp="1"/>
+          </p:cNvSpPr>
+          <p:nvPr>
+            <p:ph idx="1"/>
+          </p:nvPr>
+        </p:nvSpPr>
+        <p:spPr/>
+        <p:txBody>
+          <a:bodyPr>
+            <a:normAutofit fontScale="85000" lnSpcReduction="10000"/>
+          </a:bodyPr>
+          <a:lstStyle/>
+          <a:p>
+            <a:pPr>
+              <a:lnSpc>
+                <a:spcPct val="150000"/>
+              </a:lnSpc>
+            </a:pPr>
+            <a:r>
+              <a:rPr lang="zh-CN" altLang="en-US" dirty="0" smtClean="0">
+                <a:latin typeface="微软雅黑" pitchFamily="34" charset="-122"/>
+                <a:ea typeface="微软雅黑" pitchFamily="34" charset="-122"/>
+              </a:rPr>
+              <a:t>敏捷开发和测试的基础，不能被其它测试替代。</a:t>
+            </a:r>
+            <a:endParaRPr lang="en-US" altLang="zh-CN" dirty="0" smtClean="0">
+              <a:latin typeface="微软雅黑" pitchFamily="34" charset="-122"/>
+              <a:ea typeface="微软雅黑" pitchFamily="34" charset="-122"/>
+            </a:endParaRPr>
+          </a:p>
+          <a:p>
+            <a:pPr>
+              <a:lnSpc>
+                <a:spcPct val="150000"/>
+              </a:lnSpc>
+            </a:pPr>
+            <a:r>
+              <a:rPr lang="zh-CN" altLang="en-US" dirty="0" smtClean="0">
+                <a:latin typeface="微软雅黑" pitchFamily="34" charset="-122"/>
+                <a:ea typeface="微软雅黑" pitchFamily="34" charset="-122"/>
+              </a:rPr>
+              <a:t>没有</a:t>
+            </a:r>
+            <a:r>
+              <a:rPr lang="en-US" altLang="zh-CN" dirty="0" smtClean="0">
+                <a:latin typeface="微软雅黑" pitchFamily="34" charset="-122"/>
+                <a:ea typeface="微软雅黑" pitchFamily="34" charset="-122"/>
+              </a:rPr>
+              <a:t>TDD</a:t>
+            </a:r>
+            <a:r>
+              <a:rPr lang="zh-CN" altLang="en-US" dirty="0" smtClean="0">
+                <a:latin typeface="微软雅黑" pitchFamily="34" charset="-122"/>
+                <a:ea typeface="微软雅黑" pitchFamily="34" charset="-122"/>
+              </a:rPr>
+              <a:t>、自动化的单元和组件测试，以及运行这些测试的持续集成过程，及时产生价值是非常困难的。</a:t>
+            </a:r>
+            <a:endParaRPr lang="en-US" altLang="zh-CN" dirty="0" smtClean="0">
+              <a:latin typeface="微软雅黑" pitchFamily="34" charset="-122"/>
+              <a:ea typeface="微软雅黑" pitchFamily="34" charset="-122"/>
+            </a:endParaRPr>
+          </a:p>
+          <a:p>
+            <a:pPr>
+              <a:lnSpc>
+                <a:spcPct val="150000"/>
+              </a:lnSpc>
+            </a:pPr>
+            <a:r>
+              <a:rPr lang="zh-CN" altLang="en-US" dirty="0" smtClean="0">
+                <a:latin typeface="微软雅黑" pitchFamily="34" charset="-122"/>
+                <a:ea typeface="微软雅黑" pitchFamily="34" charset="-122"/>
+              </a:rPr>
+              <a:t>帮</a:t>
+            </a:r>
+            <a:r>
+              <a:rPr lang="zh-CN" altLang="en-US" dirty="0" smtClean="0">
+                <a:latin typeface="微软雅黑" pitchFamily="34" charset="-122"/>
+                <a:ea typeface="微软雅黑" pitchFamily="34" charset="-122"/>
+              </a:rPr>
+              <a:t>助</a:t>
+            </a:r>
+            <a:r>
+              <a:rPr lang="zh-CN" altLang="en-US" b="1" dirty="0" smtClean="0">
+                <a:latin typeface="微软雅黑" pitchFamily="34" charset="-122"/>
+                <a:ea typeface="微软雅黑" pitchFamily="34" charset="-122"/>
+              </a:rPr>
+              <a:t>程序员</a:t>
+            </a:r>
+            <a:r>
+              <a:rPr lang="zh-CN" altLang="en-US" dirty="0" smtClean="0">
+                <a:latin typeface="微软雅黑" pitchFamily="34" charset="-122"/>
+                <a:ea typeface="微软雅黑" pitchFamily="34" charset="-122"/>
+              </a:rPr>
+              <a:t>准备理解代码需要做什么，提供正确设计的指导而保证质量。</a:t>
+            </a:r>
+            <a:endParaRPr lang="en-US" altLang="zh-CN" dirty="0" smtClean="0">
+              <a:latin typeface="微软雅黑" pitchFamily="34" charset="-122"/>
+              <a:ea typeface="微软雅黑" pitchFamily="34" charset="-122"/>
+            </a:endParaRPr>
+          </a:p>
+          <a:p>
+            <a:pPr>
+              <a:lnSpc>
+                <a:spcPct val="150000"/>
+              </a:lnSpc>
+            </a:pPr>
+            <a:r>
+              <a:rPr lang="zh-CN" altLang="en-US" dirty="0" smtClean="0">
+                <a:latin typeface="微软雅黑" pitchFamily="34" charset="-122"/>
+                <a:ea typeface="微软雅黑" pitchFamily="34" charset="-122"/>
+              </a:rPr>
+              <a:t>关注</a:t>
+            </a:r>
+            <a:r>
+              <a:rPr lang="zh-CN" altLang="en-US" dirty="0" smtClean="0">
+                <a:latin typeface="微软雅黑" pitchFamily="34" charset="-122"/>
+                <a:ea typeface="微软雅黑" pitchFamily="34" charset="-122"/>
+              </a:rPr>
+              <a:t>可测试性。</a:t>
+            </a:r>
+            <a:endParaRPr lang="en-US" altLang="zh-CN" dirty="0" smtClean="0">
+              <a:latin typeface="微软雅黑" pitchFamily="34" charset="-122"/>
+              <a:ea typeface="微软雅黑" pitchFamily="34" charset="-122"/>
+            </a:endParaRPr>
+          </a:p>
+          <a:p>
+            <a:pPr>
+              <a:lnSpc>
+                <a:spcPct val="150000"/>
+              </a:lnSpc>
+            </a:pPr>
+            <a:endParaRPr lang="en-US" altLang="zh-CN" dirty="0" smtClean="0">
+              <a:latin typeface="微软雅黑" pitchFamily="34" charset="-122"/>
+              <a:ea typeface="微软雅黑" pitchFamily="34" charset="-122"/>
+            </a:endParaRPr>
+          </a:p>
+          <a:p>
+            <a:pPr>
+              <a:lnSpc>
+                <a:spcPct val="150000"/>
+              </a:lnSpc>
+            </a:pPr>
+            <a:endParaRPr lang="zh-CN" altLang="en-US" dirty="0">
+              <a:latin typeface="微软雅黑" pitchFamily="34" charset="-122"/>
+              <a:ea typeface="微软雅黑" pitchFamily="34" charset="-122"/>
+            </a:endParaRPr>
+          </a:p>
+        </p:txBody>
+      </p:sp>
+    </p:spTree>
+  </p:cSld>
+  <p:clrMapOvr>
+    <a:masterClrMapping/>
+  </p:clrMapOvr>
+</p:sld>
+</file>
+
+<file path=ppt/slides/slide14.xml><?xml version="1.0" encoding="utf-8"?>
+<p:sld xmlns:a="http://schemas.openxmlformats.org/drawingml/2006/main" xmlns:r="http://schemas.openxmlformats.org/officeDocument/2006/relationships" xmlns:p="http://schemas.openxmlformats.org/presentationml/2006/main">
+  <p:cSld>
+    <p:spTree>
+      <p:nvGrpSpPr>
+        <p:cNvPr id="1" name=""/>
+        <p:cNvGrpSpPr/>
+        <p:nvPr/>
+      </p:nvGrpSpPr>
+      <p:grpSpPr>
+        <a:xfrm>
+          <a:off x="0" y="0"/>
+          <a:ext cx="0" cy="0"/>
+          <a:chOff x="0" y="0"/>
+          <a:chExt cx="0" cy="0"/>
+        </a:xfrm>
+      </p:grpSpPr>
+      <p:sp>
+        <p:nvSpPr>
+          <p:cNvPr id="2" name="标题 1"/>
+          <p:cNvSpPr>
+            <a:spLocks noGrp="1"/>
+          </p:cNvSpPr>
+          <p:nvPr>
+            <p:ph type="title"/>
+          </p:nvPr>
+        </p:nvSpPr>
+        <p:spPr/>
+        <p:txBody>
+          <a:bodyPr/>
+          <a:lstStyle/>
+          <a:p>
+            <a:r>
+              <a:rPr lang="zh-CN" altLang="en-US" dirty="0" smtClean="0">
+                <a:latin typeface="微软雅黑" pitchFamily="34" charset="-122"/>
+                <a:ea typeface="微软雅黑" pitchFamily="34" charset="-122"/>
+              </a:rPr>
+              <a:t>支持基础设施</a:t>
+            </a:r>
+            <a:endParaRPr lang="zh-CN" altLang="en-US" dirty="0">
+              <a:latin typeface="微软雅黑" pitchFamily="34" charset="-122"/>
+              <a:ea typeface="微软雅黑" pitchFamily="34" charset="-122"/>
+            </a:endParaRPr>
+          </a:p>
+        </p:txBody>
+      </p:sp>
+      <p:sp>
+        <p:nvSpPr>
+          <p:cNvPr id="3" name="内容占位符 2"/>
+          <p:cNvSpPr>
+            <a:spLocks noGrp="1"/>
+          </p:cNvSpPr>
+          <p:nvPr>
+            <p:ph idx="1"/>
+          </p:nvPr>
+        </p:nvSpPr>
+        <p:spPr/>
+        <p:txBody>
+          <a:bodyPr>
+            <a:normAutofit fontScale="62500" lnSpcReduction="20000"/>
+          </a:bodyPr>
+          <a:lstStyle/>
+          <a:p>
+            <a:pPr>
+              <a:lnSpc>
+                <a:spcPct val="160000"/>
+              </a:lnSpc>
+            </a:pPr>
+            <a:r>
+              <a:rPr lang="zh-CN" altLang="en-US" dirty="0" smtClean="0">
+                <a:latin typeface="微软雅黑" pitchFamily="34" charset="-122"/>
+                <a:ea typeface="微软雅黑" pitchFamily="34" charset="-122"/>
+              </a:rPr>
+              <a:t>源码控制系统</a:t>
+            </a:r>
+            <a:endParaRPr lang="en-US" altLang="zh-CN" dirty="0" smtClean="0">
+              <a:latin typeface="微软雅黑" pitchFamily="34" charset="-122"/>
+              <a:ea typeface="微软雅黑" pitchFamily="34" charset="-122"/>
+            </a:endParaRPr>
+          </a:p>
+          <a:p>
+            <a:pPr>
+              <a:lnSpc>
+                <a:spcPct val="160000"/>
+              </a:lnSpc>
+            </a:pPr>
+            <a:r>
+              <a:rPr lang="zh-CN" altLang="en-US" dirty="0" smtClean="0">
+                <a:latin typeface="微软雅黑" pitchFamily="34" charset="-122"/>
+                <a:ea typeface="微软雅黑" pitchFamily="34" charset="-122"/>
+              </a:rPr>
+              <a:t>配</a:t>
+            </a:r>
+            <a:r>
+              <a:rPr lang="zh-CN" altLang="en-US" dirty="0" smtClean="0">
+                <a:latin typeface="微软雅黑" pitchFamily="34" charset="-122"/>
+                <a:ea typeface="微软雅黑" pitchFamily="34" charset="-122"/>
+              </a:rPr>
+              <a:t>置管理</a:t>
+            </a:r>
+            <a:endParaRPr lang="en-US" altLang="zh-CN" dirty="0" smtClean="0">
+              <a:latin typeface="微软雅黑" pitchFamily="34" charset="-122"/>
+              <a:ea typeface="微软雅黑" pitchFamily="34" charset="-122"/>
+            </a:endParaRPr>
+          </a:p>
+          <a:p>
+            <a:pPr>
+              <a:lnSpc>
+                <a:spcPct val="160000"/>
+              </a:lnSpc>
+            </a:pPr>
+            <a:r>
+              <a:rPr lang="zh-CN" altLang="en-US" dirty="0" smtClean="0">
+                <a:latin typeface="微软雅黑" pitchFamily="34" charset="-122"/>
+                <a:ea typeface="微软雅黑" pitchFamily="34" charset="-122"/>
+              </a:rPr>
+              <a:t>持</a:t>
+            </a:r>
+            <a:r>
+              <a:rPr lang="zh-CN" altLang="en-US" dirty="0" smtClean="0">
+                <a:latin typeface="微软雅黑" pitchFamily="34" charset="-122"/>
+                <a:ea typeface="微软雅黑" pitchFamily="34" charset="-122"/>
+              </a:rPr>
+              <a:t>续集成</a:t>
+            </a:r>
+            <a:endParaRPr lang="en-US" altLang="zh-CN" dirty="0" smtClean="0">
+              <a:latin typeface="微软雅黑" pitchFamily="34" charset="-122"/>
+              <a:ea typeface="微软雅黑" pitchFamily="34" charset="-122"/>
+            </a:endParaRPr>
+          </a:p>
+          <a:p>
+            <a:pPr>
+              <a:lnSpc>
+                <a:spcPct val="160000"/>
+              </a:lnSpc>
+            </a:pPr>
+            <a:r>
+              <a:rPr lang="zh-CN" altLang="en-US" dirty="0" smtClean="0">
+                <a:latin typeface="微软雅黑" pitchFamily="34" charset="-122"/>
+                <a:ea typeface="微软雅黑" pitchFamily="34" charset="-122"/>
+              </a:rPr>
+              <a:t>避</a:t>
+            </a:r>
+            <a:r>
+              <a:rPr lang="zh-CN" altLang="en-US" dirty="0" smtClean="0">
+                <a:latin typeface="微软雅黑" pitchFamily="34" charset="-122"/>
+                <a:ea typeface="微软雅黑" pitchFamily="34" charset="-122"/>
+              </a:rPr>
+              <a:t>免“小瀑布”</a:t>
+            </a:r>
+            <a:endParaRPr lang="en-US" altLang="zh-CN" dirty="0" smtClean="0">
+              <a:latin typeface="微软雅黑" pitchFamily="34" charset="-122"/>
+              <a:ea typeface="微软雅黑" pitchFamily="34" charset="-122"/>
+            </a:endParaRPr>
+          </a:p>
+          <a:p>
+            <a:pPr>
+              <a:lnSpc>
+                <a:spcPct val="160000"/>
+              </a:lnSpc>
+            </a:pPr>
+            <a:r>
+              <a:rPr lang="zh-CN" altLang="en-US" dirty="0" smtClean="0">
+                <a:latin typeface="微软雅黑" pitchFamily="34" charset="-122"/>
+                <a:ea typeface="微软雅黑" pitchFamily="34" charset="-122"/>
+              </a:rPr>
+              <a:t>工具</a:t>
+            </a:r>
+            <a:r>
+              <a:rPr lang="zh-CN" altLang="en-US" dirty="0" smtClean="0">
+                <a:latin typeface="微软雅黑" pitchFamily="34" charset="-122"/>
+                <a:ea typeface="微软雅黑" pitchFamily="34" charset="-122"/>
+              </a:rPr>
+              <a:t>箱</a:t>
+            </a:r>
+            <a:endParaRPr lang="en-US" altLang="zh-CN" dirty="0" smtClean="0">
+              <a:latin typeface="微软雅黑" pitchFamily="34" charset="-122"/>
+              <a:ea typeface="微软雅黑" pitchFamily="34" charset="-122"/>
+            </a:endParaRPr>
+          </a:p>
+          <a:p>
+            <a:pPr lvl="1">
+              <a:lnSpc>
+                <a:spcPct val="160000"/>
+              </a:lnSpc>
+            </a:pPr>
+            <a:r>
+              <a:rPr lang="en-US" altLang="zh-CN" dirty="0" smtClean="0">
+                <a:latin typeface="微软雅黑" pitchFamily="34" charset="-122"/>
+                <a:ea typeface="微软雅黑" pitchFamily="34" charset="-122"/>
+              </a:rPr>
+              <a:t>IDE</a:t>
+            </a:r>
+          </a:p>
+          <a:p>
+            <a:pPr lvl="1">
+              <a:lnSpc>
+                <a:spcPct val="160000"/>
+              </a:lnSpc>
+            </a:pPr>
+            <a:r>
+              <a:rPr lang="zh-CN" altLang="en-US" dirty="0" smtClean="0">
+                <a:latin typeface="微软雅黑" pitchFamily="34" charset="-122"/>
+                <a:ea typeface="微软雅黑" pitchFamily="34" charset="-122"/>
+              </a:rPr>
+              <a:t>构</a:t>
+            </a:r>
+            <a:r>
+              <a:rPr lang="zh-CN" altLang="en-US" dirty="0" smtClean="0">
+                <a:latin typeface="微软雅黑" pitchFamily="34" charset="-122"/>
+                <a:ea typeface="微软雅黑" pitchFamily="34" charset="-122"/>
+              </a:rPr>
+              <a:t>建工具</a:t>
+            </a:r>
+            <a:endParaRPr lang="en-US" altLang="zh-CN" dirty="0" smtClean="0">
+              <a:latin typeface="微软雅黑" pitchFamily="34" charset="-122"/>
+              <a:ea typeface="微软雅黑" pitchFamily="34" charset="-122"/>
+            </a:endParaRPr>
+          </a:p>
+          <a:p>
+            <a:pPr lvl="1">
+              <a:lnSpc>
+                <a:spcPct val="160000"/>
+              </a:lnSpc>
+            </a:pPr>
+            <a:r>
+              <a:rPr lang="zh-CN" altLang="en-US" dirty="0" smtClean="0">
+                <a:latin typeface="微软雅黑" pitchFamily="34" charset="-122"/>
+                <a:ea typeface="微软雅黑" pitchFamily="34" charset="-122"/>
+              </a:rPr>
+              <a:t>单元测试工具</a:t>
+            </a:r>
+            <a:endParaRPr lang="en-US" altLang="zh-CN" dirty="0" smtClean="0">
+              <a:latin typeface="微软雅黑" pitchFamily="34" charset="-122"/>
+              <a:ea typeface="微软雅黑" pitchFamily="34" charset="-122"/>
+            </a:endParaRPr>
+          </a:p>
+          <a:p>
+            <a:pPr lvl="1">
+              <a:lnSpc>
+                <a:spcPct val="160000"/>
+              </a:lnSpc>
+            </a:pPr>
+            <a:r>
+              <a:rPr lang="zh-CN" altLang="en-US" dirty="0" smtClean="0">
+                <a:latin typeface="微软雅黑" pitchFamily="34" charset="-122"/>
+                <a:ea typeface="微软雅黑" pitchFamily="34" charset="-122"/>
+              </a:rPr>
+              <a:t>构</a:t>
+            </a:r>
+            <a:r>
+              <a:rPr lang="zh-CN" altLang="en-US" dirty="0" smtClean="0">
+                <a:latin typeface="微软雅黑" pitchFamily="34" charset="-122"/>
+                <a:ea typeface="微软雅黑" pitchFamily="34" charset="-122"/>
+              </a:rPr>
+              <a:t>建自动化工具</a:t>
+            </a:r>
+            <a:endParaRPr lang="zh-CN" altLang="en-US" dirty="0">
+              <a:latin typeface="微软雅黑" pitchFamily="34" charset="-122"/>
+              <a:ea typeface="微软雅黑" pitchFamily="34" charset="-122"/>
+            </a:endParaRPr>
+          </a:p>
+        </p:txBody>
+      </p:sp>
+    </p:spTree>
+  </p:cSld>
+  <p:clrMapOvr>
+    <a:masterClrMapping/>
+  </p:clrMapOvr>
+</p:sld>
+</file>
+
+<file path=ppt/slides/slide15.xml><?xml version="1.0" encoding="utf-8"?>
+<p:sld xmlns:a="http://schemas.openxmlformats.org/drawingml/2006/main" xmlns:r="http://schemas.openxmlformats.org/officeDocument/2006/relationships" xmlns:p="http://schemas.openxmlformats.org/presentationml/2006/main">
+  <p:cSld>
+    <p:spTree>
+      <p:nvGrpSpPr>
+        <p:cNvPr id="1" name=""/>
+        <p:cNvGrpSpPr/>
+        <p:nvPr/>
+      </p:nvGrpSpPr>
+      <p:grpSpPr>
+        <a:xfrm>
+          <a:off x="0" y="0"/>
+          <a:ext cx="0" cy="0"/>
+          <a:chOff x="0" y="0"/>
+          <a:chExt cx="0" cy="0"/>
+        </a:xfrm>
+      </p:grpSpPr>
+      <p:sp>
+        <p:nvSpPr>
+          <p:cNvPr id="2" name="标题 1"/>
+          <p:cNvSpPr>
+            <a:spLocks noGrp="1"/>
+          </p:cNvSpPr>
+          <p:nvPr>
+            <p:ph type="title"/>
+          </p:nvPr>
+        </p:nvSpPr>
+        <p:spPr/>
+        <p:txBody>
+          <a:bodyPr/>
+          <a:lstStyle/>
+          <a:p>
+            <a:r>
+              <a:rPr lang="zh-CN" altLang="en-US" dirty="0" smtClean="0">
+                <a:latin typeface="微软雅黑" pitchFamily="34" charset="-122"/>
+                <a:ea typeface="微软雅黑" pitchFamily="34" charset="-122"/>
+              </a:rPr>
+              <a:t>编写并运行这些测试的价值</a:t>
+            </a:r>
+            <a:endParaRPr lang="zh-CN" altLang="en-US" dirty="0">
+              <a:latin typeface="微软雅黑" pitchFamily="34" charset="-122"/>
+              <a:ea typeface="微软雅黑" pitchFamily="34" charset="-122"/>
+            </a:endParaRPr>
+          </a:p>
+        </p:txBody>
+      </p:sp>
+      <p:sp>
+        <p:nvSpPr>
+          <p:cNvPr id="3" name="内容占位符 2"/>
+          <p:cNvSpPr>
+            <a:spLocks noGrp="1"/>
+          </p:cNvSpPr>
+          <p:nvPr>
+            <p:ph idx="1"/>
+          </p:nvPr>
+        </p:nvSpPr>
+        <p:spPr/>
+        <p:txBody>
+          <a:bodyPr>
+            <a:normAutofit fontScale="92500"/>
+          </a:bodyPr>
+          <a:lstStyle/>
+          <a:p>
+            <a:pPr>
+              <a:lnSpc>
+                <a:spcPct val="150000"/>
+              </a:lnSpc>
+            </a:pPr>
+            <a:r>
+              <a:rPr lang="zh-CN" altLang="en-US" dirty="0" smtClean="0">
+                <a:latin typeface="微软雅黑" pitchFamily="34" charset="-122"/>
+                <a:ea typeface="微软雅黑" pitchFamily="34" charset="-122"/>
+              </a:rPr>
+              <a:t>效率更高</a:t>
+            </a:r>
+            <a:endParaRPr lang="en-US" altLang="zh-CN" dirty="0" smtClean="0">
+              <a:latin typeface="微软雅黑" pitchFamily="34" charset="-122"/>
+              <a:ea typeface="微软雅黑" pitchFamily="34" charset="-122"/>
+            </a:endParaRPr>
+          </a:p>
+          <a:p>
+            <a:pPr lvl="1">
+              <a:lnSpc>
+                <a:spcPct val="150000"/>
+              </a:lnSpc>
+            </a:pPr>
+            <a:r>
+              <a:rPr lang="zh-CN" altLang="en-US" dirty="0" smtClean="0">
+                <a:latin typeface="微软雅黑" pitchFamily="34" charset="-122"/>
+                <a:ea typeface="微软雅黑" pitchFamily="34" charset="-122"/>
+              </a:rPr>
+              <a:t>拒</a:t>
+            </a:r>
+            <a:r>
+              <a:rPr lang="zh-CN" altLang="en-US" dirty="0" smtClean="0">
+                <a:latin typeface="微软雅黑" pitchFamily="34" charset="-122"/>
+                <a:ea typeface="微软雅黑" pitchFamily="34" charset="-122"/>
+              </a:rPr>
+              <a:t>绝“</a:t>
+            </a:r>
+            <a:r>
+              <a:rPr lang="en-US" altLang="zh-CN" dirty="0" smtClean="0">
+                <a:latin typeface="微软雅黑" pitchFamily="34" charset="-122"/>
+                <a:ea typeface="微软雅黑" pitchFamily="34" charset="-122"/>
+              </a:rPr>
+              <a:t>quick and dirty</a:t>
+            </a:r>
+            <a:r>
+              <a:rPr lang="zh-CN" altLang="en-US" dirty="0" smtClean="0">
+                <a:latin typeface="微软雅黑" pitchFamily="34" charset="-122"/>
+                <a:ea typeface="微软雅黑" pitchFamily="34" charset="-122"/>
+              </a:rPr>
+              <a:t>”</a:t>
+            </a:r>
+            <a:endParaRPr lang="en-US" altLang="zh-CN" dirty="0" smtClean="0">
+              <a:latin typeface="微软雅黑" pitchFamily="34" charset="-122"/>
+              <a:ea typeface="微软雅黑" pitchFamily="34" charset="-122"/>
+            </a:endParaRPr>
+          </a:p>
+          <a:p>
+            <a:pPr>
+              <a:lnSpc>
+                <a:spcPct val="150000"/>
+              </a:lnSpc>
+            </a:pPr>
+            <a:r>
+              <a:rPr lang="zh-CN" altLang="en-US" dirty="0" smtClean="0">
+                <a:latin typeface="微软雅黑" pitchFamily="34" charset="-122"/>
+                <a:ea typeface="微软雅黑" pitchFamily="34" charset="-122"/>
+              </a:rPr>
+              <a:t>关</a:t>
+            </a:r>
+            <a:r>
+              <a:rPr lang="zh-CN" altLang="en-US" dirty="0" smtClean="0">
+                <a:latin typeface="微软雅黑" pitchFamily="34" charset="-122"/>
+                <a:ea typeface="微软雅黑" pitchFamily="34" charset="-122"/>
+              </a:rPr>
+              <a:t>注可测试性，产生良好的基础架构，使得整个团队不断思考如何改进设计并使测试更容易</a:t>
+            </a:r>
+            <a:endParaRPr lang="en-US" altLang="zh-CN" dirty="0" smtClean="0">
+              <a:latin typeface="微软雅黑" pitchFamily="34" charset="-122"/>
+              <a:ea typeface="微软雅黑" pitchFamily="34" charset="-122"/>
+            </a:endParaRPr>
+          </a:p>
+          <a:p>
+            <a:pPr>
+              <a:lnSpc>
+                <a:spcPct val="150000"/>
+              </a:lnSpc>
+            </a:pPr>
+            <a:r>
+              <a:rPr lang="zh-CN" altLang="en-US" dirty="0" smtClean="0">
+                <a:latin typeface="微软雅黑" pitchFamily="34" charset="-122"/>
+                <a:ea typeface="微软雅黑" pitchFamily="34" charset="-122"/>
+              </a:rPr>
+              <a:t>即</a:t>
+            </a:r>
+            <a:r>
+              <a:rPr lang="zh-CN" altLang="en-US" dirty="0" smtClean="0">
+                <a:latin typeface="微软雅黑" pitchFamily="34" charset="-122"/>
+                <a:ea typeface="微软雅黑" pitchFamily="34" charset="-122"/>
+              </a:rPr>
+              <a:t>时反馈</a:t>
+            </a:r>
+            <a:endParaRPr lang="en-US" altLang="zh-CN" dirty="0" smtClean="0">
+              <a:latin typeface="微软雅黑" pitchFamily="34" charset="-122"/>
+              <a:ea typeface="微软雅黑" pitchFamily="34" charset="-122"/>
+            </a:endParaRPr>
+          </a:p>
+          <a:p>
+            <a:pPr>
+              <a:lnSpc>
+                <a:spcPct val="150000"/>
+              </a:lnSpc>
+            </a:pPr>
+            <a:r>
+              <a:rPr lang="en-US" altLang="zh-CN" dirty="0" smtClean="0">
+                <a:latin typeface="微软雅黑" pitchFamily="34" charset="-122"/>
+                <a:ea typeface="微软雅黑" pitchFamily="34" charset="-122"/>
+              </a:rPr>
+              <a:t>The sooner</a:t>
+            </a:r>
+            <a:r>
+              <a:rPr lang="zh-CN" altLang="en-US" dirty="0" smtClean="0">
+                <a:latin typeface="微软雅黑" pitchFamily="34" charset="-122"/>
+                <a:ea typeface="微软雅黑" pitchFamily="34" charset="-122"/>
+              </a:rPr>
+              <a:t>， </a:t>
+            </a:r>
+            <a:r>
+              <a:rPr lang="en-US" altLang="zh-CN" dirty="0" smtClean="0">
+                <a:latin typeface="微软雅黑" pitchFamily="34" charset="-122"/>
+                <a:ea typeface="微软雅黑" pitchFamily="34" charset="-122"/>
+              </a:rPr>
+              <a:t>the better</a:t>
+            </a:r>
+            <a:endParaRPr lang="zh-CN" altLang="en-US" dirty="0">
+              <a:latin typeface="微软雅黑" pitchFamily="34" charset="-122"/>
+              <a:ea typeface="微软雅黑" pitchFamily="34" charset="-122"/>
+            </a:endParaRPr>
+          </a:p>
+        </p:txBody>
+      </p:sp>
+    </p:spTree>
+  </p:cSld>
+  <p:clrMapOvr>
+    <a:masterClrMapping/>
+  </p:clrMapOvr>
+</p:sld>
+</file>
+
+<file path=ppt/slides/slide16.xml><?xml version="1.0" encoding="utf-8"?>
+<p:sld xmlns:a="http://schemas.openxmlformats.org/drawingml/2006/main" xmlns:r="http://schemas.openxmlformats.org/officeDocument/2006/relationships" xmlns:p="http://schemas.openxmlformats.org/presentationml/2006/main">
+  <p:cSld>
+    <p:spTree>
+      <p:nvGrpSpPr>
+        <p:cNvPr id="1" name=""/>
+        <p:cNvGrpSpPr/>
+        <p:nvPr/>
+      </p:nvGrpSpPr>
+      <p:grpSpPr>
+        <a:xfrm>
+          <a:off x="0" y="0"/>
+          <a:ext cx="0" cy="0"/>
+          <a:chOff x="0" y="0"/>
+          <a:chExt cx="0" cy="0"/>
+        </a:xfrm>
+      </p:grpSpPr>
+      <p:sp>
+        <p:nvSpPr>
+          <p:cNvPr id="2" name="标题 1"/>
+          <p:cNvSpPr>
+            <a:spLocks noGrp="1"/>
+          </p:cNvSpPr>
+          <p:nvPr>
+            <p:ph type="title"/>
+          </p:nvPr>
+        </p:nvSpPr>
+        <p:spPr/>
+        <p:txBody>
+          <a:bodyPr/>
+          <a:lstStyle/>
+          <a:p>
+            <a:r>
+              <a:rPr lang="zh-CN" altLang="en-US" dirty="0" smtClean="0">
+                <a:latin typeface="微软雅黑" pitchFamily="34" charset="-122"/>
+                <a:ea typeface="微软雅黑" pitchFamily="34" charset="-122"/>
+              </a:rPr>
+              <a:t>怎</a:t>
+            </a:r>
+            <a:r>
+              <a:rPr lang="zh-CN" altLang="en-US" dirty="0" smtClean="0">
+                <a:latin typeface="微软雅黑" pitchFamily="34" charset="-122"/>
+                <a:ea typeface="微软雅黑" pitchFamily="34" charset="-122"/>
+              </a:rPr>
+              <a:t>么做？</a:t>
+            </a:r>
+            <a:endParaRPr lang="zh-CN" altLang="en-US" dirty="0">
+              <a:latin typeface="微软雅黑" pitchFamily="34" charset="-122"/>
+              <a:ea typeface="微软雅黑" pitchFamily="34" charset="-122"/>
+            </a:endParaRPr>
+          </a:p>
+        </p:txBody>
+      </p:sp>
+      <p:sp>
+        <p:nvSpPr>
+          <p:cNvPr id="3" name="内容占位符 2"/>
+          <p:cNvSpPr>
+            <a:spLocks noGrp="1"/>
+          </p:cNvSpPr>
+          <p:nvPr>
+            <p:ph idx="1"/>
+          </p:nvPr>
+        </p:nvSpPr>
+        <p:spPr/>
+        <p:txBody>
+          <a:bodyPr>
+            <a:normAutofit lnSpcReduction="10000"/>
+          </a:bodyPr>
+          <a:lstStyle/>
+          <a:p>
+            <a:pPr>
+              <a:lnSpc>
+                <a:spcPct val="150000"/>
+              </a:lnSpc>
+            </a:pPr>
+            <a:r>
+              <a:rPr lang="zh-CN" altLang="en-US" dirty="0" smtClean="0">
+                <a:latin typeface="微软雅黑" pitchFamily="34" charset="-122"/>
+                <a:ea typeface="微软雅黑" pitchFamily="34" charset="-122"/>
+              </a:rPr>
+              <a:t>推动变革</a:t>
+            </a:r>
+            <a:endParaRPr lang="en-US" altLang="zh-CN" dirty="0" smtClean="0">
+              <a:latin typeface="微软雅黑" pitchFamily="34" charset="-122"/>
+              <a:ea typeface="微软雅黑" pitchFamily="34" charset="-122"/>
+            </a:endParaRPr>
+          </a:p>
+          <a:p>
+            <a:pPr lvl="1">
+              <a:lnSpc>
+                <a:spcPct val="150000"/>
+              </a:lnSpc>
+            </a:pPr>
+            <a:r>
+              <a:rPr lang="zh-CN" altLang="en-US" dirty="0" smtClean="0">
+                <a:latin typeface="微软雅黑" pitchFamily="34" charset="-122"/>
+                <a:ea typeface="微软雅黑" pitchFamily="34" charset="-122"/>
+              </a:rPr>
+              <a:t>关</a:t>
+            </a:r>
+            <a:r>
+              <a:rPr lang="zh-CN" altLang="en-US" dirty="0" smtClean="0">
+                <a:latin typeface="微软雅黑" pitchFamily="34" charset="-122"/>
+                <a:ea typeface="微软雅黑" pitchFamily="34" charset="-122"/>
+              </a:rPr>
+              <a:t>注“人”</a:t>
+            </a:r>
+            <a:endParaRPr lang="en-US" altLang="zh-CN" dirty="0" smtClean="0">
+              <a:latin typeface="微软雅黑" pitchFamily="34" charset="-122"/>
+              <a:ea typeface="微软雅黑" pitchFamily="34" charset="-122"/>
+            </a:endParaRPr>
+          </a:p>
+          <a:p>
+            <a:pPr lvl="1">
+              <a:lnSpc>
+                <a:spcPct val="150000"/>
+              </a:lnSpc>
+            </a:pPr>
+            <a:r>
+              <a:rPr lang="en-US" altLang="zh-CN" dirty="0" smtClean="0">
+                <a:latin typeface="微软雅黑" pitchFamily="34" charset="-122"/>
+                <a:ea typeface="微软雅黑" pitchFamily="34" charset="-122"/>
+              </a:rPr>
+              <a:t>Fearless Change</a:t>
+            </a:r>
+          </a:p>
+          <a:p>
+            <a:pPr>
+              <a:lnSpc>
+                <a:spcPct val="150000"/>
+              </a:lnSpc>
+            </a:pPr>
+            <a:r>
+              <a:rPr lang="zh-CN" altLang="en-US" dirty="0" smtClean="0">
+                <a:latin typeface="微软雅黑" pitchFamily="34" charset="-122"/>
+                <a:ea typeface="微软雅黑" pitchFamily="34" charset="-122"/>
+              </a:rPr>
+              <a:t>管理</a:t>
+            </a:r>
+            <a:r>
+              <a:rPr lang="zh-CN" altLang="en-US" dirty="0" smtClean="0">
+                <a:latin typeface="微软雅黑" pitchFamily="34" charset="-122"/>
+                <a:ea typeface="微软雅黑" pitchFamily="34" charset="-122"/>
+              </a:rPr>
+              <a:t>层提供支持</a:t>
+            </a:r>
+            <a:endParaRPr lang="en-US" altLang="zh-CN" dirty="0" smtClean="0">
+              <a:latin typeface="微软雅黑" pitchFamily="34" charset="-122"/>
+              <a:ea typeface="微软雅黑" pitchFamily="34" charset="-122"/>
+            </a:endParaRPr>
+          </a:p>
+          <a:p>
+            <a:pPr lvl="1">
+              <a:lnSpc>
+                <a:spcPct val="150000"/>
+              </a:lnSpc>
+            </a:pPr>
+            <a:r>
+              <a:rPr lang="zh-CN" altLang="en-US" dirty="0" smtClean="0">
+                <a:latin typeface="微软雅黑" pitchFamily="34" charset="-122"/>
+                <a:ea typeface="微软雅黑" pitchFamily="34" charset="-122"/>
+              </a:rPr>
+              <a:t>关</a:t>
+            </a:r>
+            <a:r>
+              <a:rPr lang="zh-CN" altLang="en-US" dirty="0" smtClean="0">
+                <a:latin typeface="微软雅黑" pitchFamily="34" charset="-122"/>
+                <a:ea typeface="微软雅黑" pitchFamily="34" charset="-122"/>
+              </a:rPr>
+              <a:t>注范围、时间、成本和质量之间的约束关系</a:t>
+            </a:r>
+            <a:endParaRPr lang="en-US" altLang="zh-CN" dirty="0" smtClean="0">
+              <a:latin typeface="微软雅黑" pitchFamily="34" charset="-122"/>
+              <a:ea typeface="微软雅黑" pitchFamily="34" charset="-122"/>
+            </a:endParaRPr>
+          </a:p>
+          <a:p>
+            <a:pPr>
+              <a:lnSpc>
+                <a:spcPct val="150000"/>
+              </a:lnSpc>
+            </a:pPr>
+            <a:r>
+              <a:rPr lang="zh-CN" altLang="en-US" dirty="0" smtClean="0">
+                <a:latin typeface="微软雅黑" pitchFamily="34" charset="-122"/>
+                <a:ea typeface="微软雅黑" pitchFamily="34" charset="-122"/>
+              </a:rPr>
+              <a:t>整</a:t>
+            </a:r>
+            <a:r>
+              <a:rPr lang="zh-CN" altLang="en-US" dirty="0" smtClean="0">
+                <a:latin typeface="微软雅黑" pitchFamily="34" charset="-122"/>
+                <a:ea typeface="微软雅黑" pitchFamily="34" charset="-122"/>
+              </a:rPr>
+              <a:t>个团队的责任</a:t>
+            </a:r>
+            <a:endParaRPr lang="zh-CN" altLang="en-US" dirty="0">
+              <a:latin typeface="微软雅黑" pitchFamily="34" charset="-122"/>
+              <a:ea typeface="微软雅黑" pitchFamily="34" charset="-122"/>
+            </a:endParaRPr>
           </a:p>
         </p:txBody>
       </p:sp>
@@ -3087,6 +4628,214 @@
 </file>
 
 <file path=ppt/slides/slide2.xml><?xml version="1.0" encoding="utf-8"?>
+<p:sld xmlns:a="http://schemas.openxmlformats.org/drawingml/2006/main" xmlns:r="http://schemas.openxmlformats.org/officeDocument/2006/relationships" xmlns:p="http://schemas.openxmlformats.org/presentationml/2006/main">
+  <p:cSld>
+    <p:spTree>
+      <p:nvGrpSpPr>
+        <p:cNvPr id="1" name=""/>
+        <p:cNvGrpSpPr/>
+        <p:nvPr/>
+      </p:nvGrpSpPr>
+      <p:grpSpPr>
+        <a:xfrm>
+          <a:off x="0" y="0"/>
+          <a:ext cx="0" cy="0"/>
+          <a:chOff x="0" y="0"/>
+          <a:chExt cx="0" cy="0"/>
+        </a:xfrm>
+      </p:grpSpPr>
+      <p:sp>
+        <p:nvSpPr>
+          <p:cNvPr id="2" name="标题 1"/>
+          <p:cNvSpPr>
+            <a:spLocks noGrp="1"/>
+          </p:cNvSpPr>
+          <p:nvPr>
+            <p:ph type="title"/>
+          </p:nvPr>
+        </p:nvSpPr>
+        <p:spPr/>
+        <p:txBody>
+          <a:bodyPr/>
+          <a:lstStyle/>
+          <a:p>
+            <a:r>
+              <a:rPr lang="zh-CN" altLang="en-US" dirty="0" smtClean="0">
+                <a:latin typeface="微软雅黑" pitchFamily="34" charset="-122"/>
+                <a:ea typeface="微软雅黑" pitchFamily="34" charset="-122"/>
+              </a:rPr>
+              <a:t>测</a:t>
+            </a:r>
+            <a:r>
+              <a:rPr lang="zh-CN" altLang="en-US" dirty="0" smtClean="0">
+                <a:latin typeface="微软雅黑" pitchFamily="34" charset="-122"/>
+                <a:ea typeface="微软雅黑" pitchFamily="34" charset="-122"/>
+              </a:rPr>
+              <a:t>试的目的</a:t>
+            </a:r>
+            <a:endParaRPr lang="zh-CN" altLang="en-US" dirty="0">
+              <a:latin typeface="微软雅黑" pitchFamily="34" charset="-122"/>
+              <a:ea typeface="微软雅黑" pitchFamily="34" charset="-122"/>
+            </a:endParaRPr>
+          </a:p>
+        </p:txBody>
+      </p:sp>
+      <p:sp>
+        <p:nvSpPr>
+          <p:cNvPr id="3" name="内容占位符 2"/>
+          <p:cNvSpPr>
+            <a:spLocks noGrp="1"/>
+          </p:cNvSpPr>
+          <p:nvPr>
+            <p:ph idx="1"/>
+          </p:nvPr>
+        </p:nvSpPr>
+        <p:spPr/>
+        <p:txBody>
+          <a:bodyPr>
+            <a:normAutofit lnSpcReduction="10000"/>
+          </a:bodyPr>
+          <a:lstStyle/>
+          <a:p>
+            <a:pPr>
+              <a:lnSpc>
+                <a:spcPct val="150000"/>
+              </a:lnSpc>
+            </a:pPr>
+            <a:r>
+              <a:rPr lang="zh-CN" altLang="en-US" dirty="0" smtClean="0">
+                <a:latin typeface="微软雅黑" pitchFamily="34" charset="-122"/>
+                <a:ea typeface="微软雅黑" pitchFamily="34" charset="-122"/>
+              </a:rPr>
+              <a:t>寻找缺陷</a:t>
+            </a:r>
+            <a:endParaRPr lang="en-US" altLang="zh-CN" dirty="0" smtClean="0">
+              <a:latin typeface="微软雅黑" pitchFamily="34" charset="-122"/>
+              <a:ea typeface="微软雅黑" pitchFamily="34" charset="-122"/>
+            </a:endParaRPr>
+          </a:p>
+          <a:p>
+            <a:pPr>
+              <a:lnSpc>
+                <a:spcPct val="150000"/>
+              </a:lnSpc>
+            </a:pPr>
+            <a:r>
+              <a:rPr lang="zh-CN" altLang="en-US" dirty="0" smtClean="0">
+                <a:latin typeface="微软雅黑" pitchFamily="34" charset="-122"/>
+                <a:ea typeface="微软雅黑" pitchFamily="34" charset="-122"/>
+              </a:rPr>
+              <a:t>确</a:t>
+            </a:r>
+            <a:r>
+              <a:rPr lang="zh-CN" altLang="en-US" dirty="0" smtClean="0">
+                <a:latin typeface="微软雅黑" pitchFamily="34" charset="-122"/>
+                <a:ea typeface="微软雅黑" pitchFamily="34" charset="-122"/>
+              </a:rPr>
+              <a:t>保代码是可靠的</a:t>
+            </a:r>
+            <a:endParaRPr lang="en-US" altLang="zh-CN" dirty="0" smtClean="0">
+              <a:latin typeface="微软雅黑" pitchFamily="34" charset="-122"/>
+              <a:ea typeface="微软雅黑" pitchFamily="34" charset="-122"/>
+            </a:endParaRPr>
+          </a:p>
+          <a:p>
+            <a:pPr>
+              <a:lnSpc>
+                <a:spcPct val="150000"/>
+              </a:lnSpc>
+            </a:pPr>
+            <a:r>
+              <a:rPr lang="zh-CN" altLang="en-US" dirty="0" smtClean="0">
+                <a:latin typeface="微软雅黑" pitchFamily="34" charset="-122"/>
+                <a:ea typeface="微软雅黑" pitchFamily="34" charset="-122"/>
+              </a:rPr>
+              <a:t>确</a:t>
+            </a:r>
+            <a:r>
+              <a:rPr lang="zh-CN" altLang="en-US" dirty="0" smtClean="0">
+                <a:latin typeface="微软雅黑" pitchFamily="34" charset="-122"/>
+                <a:ea typeface="微软雅黑" pitchFamily="34" charset="-122"/>
+              </a:rPr>
+              <a:t>保产品的质量</a:t>
+            </a:r>
+            <a:endParaRPr lang="en-US" altLang="zh-CN" dirty="0" smtClean="0">
+              <a:latin typeface="微软雅黑" pitchFamily="34" charset="-122"/>
+              <a:ea typeface="微软雅黑" pitchFamily="34" charset="-122"/>
+            </a:endParaRPr>
+          </a:p>
+          <a:p>
+            <a:pPr lvl="1">
+              <a:lnSpc>
+                <a:spcPct val="150000"/>
+              </a:lnSpc>
+            </a:pPr>
+            <a:r>
+              <a:rPr lang="zh-CN" altLang="en-US" dirty="0" smtClean="0">
+                <a:latin typeface="微软雅黑" pitchFamily="34" charset="-122"/>
+                <a:ea typeface="微软雅黑" pitchFamily="34" charset="-122"/>
+              </a:rPr>
+              <a:t>性</a:t>
+            </a:r>
+            <a:r>
+              <a:rPr lang="zh-CN" altLang="en-US" dirty="0" smtClean="0">
+                <a:latin typeface="微软雅黑" pitchFamily="34" charset="-122"/>
+                <a:ea typeface="微软雅黑" pitchFamily="34" charset="-122"/>
+              </a:rPr>
+              <a:t>能</a:t>
+            </a:r>
+            <a:endParaRPr lang="en-US" altLang="zh-CN" dirty="0" smtClean="0">
+              <a:latin typeface="微软雅黑" pitchFamily="34" charset="-122"/>
+              <a:ea typeface="微软雅黑" pitchFamily="34" charset="-122"/>
+            </a:endParaRPr>
+          </a:p>
+          <a:p>
+            <a:pPr lvl="1">
+              <a:lnSpc>
+                <a:spcPct val="150000"/>
+              </a:lnSpc>
+            </a:pPr>
+            <a:r>
+              <a:rPr lang="zh-CN" altLang="en-US" dirty="0" smtClean="0">
+                <a:latin typeface="微软雅黑" pitchFamily="34" charset="-122"/>
+                <a:ea typeface="微软雅黑" pitchFamily="34" charset="-122"/>
+              </a:rPr>
+              <a:t>可用性</a:t>
+            </a:r>
+            <a:endParaRPr lang="en-US" altLang="zh-CN" dirty="0" smtClean="0">
+              <a:latin typeface="微软雅黑" pitchFamily="34" charset="-122"/>
+              <a:ea typeface="微软雅黑" pitchFamily="34" charset="-122"/>
+            </a:endParaRPr>
+          </a:p>
+          <a:p>
+            <a:pPr lvl="1">
+              <a:lnSpc>
+                <a:spcPct val="150000"/>
+              </a:lnSpc>
+            </a:pPr>
+            <a:r>
+              <a:rPr lang="zh-CN" altLang="en-US" dirty="0" smtClean="0">
+                <a:latin typeface="微软雅黑" pitchFamily="34" charset="-122"/>
+                <a:ea typeface="微软雅黑" pitchFamily="34" charset="-122"/>
+              </a:rPr>
+              <a:t>安全</a:t>
+            </a:r>
+            <a:endParaRPr lang="zh-CN" altLang="en-US" dirty="0">
+              <a:latin typeface="微软雅黑" pitchFamily="34" charset="-122"/>
+              <a:ea typeface="微软雅黑" pitchFamily="34" charset="-122"/>
+            </a:endParaRPr>
+          </a:p>
+        </p:txBody>
+      </p:sp>
+    </p:spTree>
+  </p:cSld>
+  <p:clrMapOvr>
+    <a:masterClrMapping/>
+  </p:clrMapOvr>
+</p:sld>
+</file>
+
+<file path=ppt/slides/slide3.xml><?xml version="1.0" encoding="utf-8"?>
 <p:sld xmlns:a="http://schemas.openxmlformats.org/drawingml/2006/main" xmlns:r="http://schemas.openxmlformats.org/officeDocument/2006/relationships" xmlns:p="http://schemas.openxmlformats.org/presentationml/2006/main">
   <p:cSld>
     <p:spTree>
@@ -3129,6 +4878,1227 @@
           <a:noFill/>
         </p:spPr>
       </p:pic>
+    </p:spTree>
+  </p:cSld>
+  <p:clrMapOvr>
+    <a:masterClrMapping/>
+  </p:clrMapOvr>
+</p:sld>
+</file>
+
+<file path=ppt/slides/slide4.xml><?xml version="1.0" encoding="utf-8"?>
+<p:sld xmlns:a="http://schemas.openxmlformats.org/drawingml/2006/main" xmlns:r="http://schemas.openxmlformats.org/officeDocument/2006/relationships" xmlns:p="http://schemas.openxmlformats.org/presentationml/2006/main">
+  <p:cSld>
+    <p:spTree>
+      <p:nvGrpSpPr>
+        <p:cNvPr id="1" name=""/>
+        <p:cNvGrpSpPr/>
+        <p:nvPr/>
+      </p:nvGrpSpPr>
+      <p:grpSpPr>
+        <a:xfrm>
+          <a:off x="0" y="0"/>
+          <a:ext cx="0" cy="0"/>
+          <a:chOff x="0" y="0"/>
+          <a:chExt cx="0" cy="0"/>
+        </a:xfrm>
+      </p:grpSpPr>
+      <p:sp>
+        <p:nvSpPr>
+          <p:cNvPr id="2" name="标题 1"/>
+          <p:cNvSpPr>
+            <a:spLocks noGrp="1"/>
+          </p:cNvSpPr>
+          <p:nvPr>
+            <p:ph type="title"/>
+          </p:nvPr>
+        </p:nvSpPr>
+        <p:spPr/>
+        <p:txBody>
+          <a:bodyPr/>
+          <a:lstStyle/>
+          <a:p>
+            <a:r>
+              <a:rPr lang="zh-CN" altLang="en-US" dirty="0" smtClean="0">
+                <a:latin typeface="微软雅黑" pitchFamily="34" charset="-122"/>
+                <a:ea typeface="微软雅黑" pitchFamily="34" charset="-122"/>
+              </a:rPr>
+              <a:t>敏捷测试象限</a:t>
+            </a:r>
+            <a:endParaRPr lang="zh-CN" altLang="en-US" dirty="0">
+              <a:latin typeface="微软雅黑" pitchFamily="34" charset="-122"/>
+              <a:ea typeface="微软雅黑" pitchFamily="34" charset="-122"/>
+            </a:endParaRPr>
+          </a:p>
+        </p:txBody>
+      </p:sp>
+      <p:sp>
+        <p:nvSpPr>
+          <p:cNvPr id="3" name="内容占位符 2"/>
+          <p:cNvSpPr>
+            <a:spLocks noGrp="1"/>
+          </p:cNvSpPr>
+          <p:nvPr>
+            <p:ph idx="1"/>
+          </p:nvPr>
+        </p:nvSpPr>
+        <p:spPr/>
+        <p:txBody>
+          <a:bodyPr>
+            <a:normAutofit fontScale="70000" lnSpcReduction="20000"/>
+          </a:bodyPr>
+          <a:lstStyle/>
+          <a:p>
+            <a:pPr>
+              <a:lnSpc>
+                <a:spcPct val="160000"/>
+              </a:lnSpc>
+            </a:pPr>
+            <a:r>
+              <a:rPr lang="zh-CN" altLang="en-US" dirty="0" smtClean="0">
+                <a:latin typeface="微软雅黑" pitchFamily="34" charset="-122"/>
+                <a:ea typeface="微软雅黑" pitchFamily="34" charset="-122"/>
+              </a:rPr>
+              <a:t>支持团队的测试</a:t>
+            </a:r>
+            <a:endParaRPr lang="en-US" altLang="zh-CN" dirty="0" smtClean="0">
+              <a:latin typeface="微软雅黑" pitchFamily="34" charset="-122"/>
+              <a:ea typeface="微软雅黑" pitchFamily="34" charset="-122"/>
+            </a:endParaRPr>
+          </a:p>
+          <a:p>
+            <a:pPr lvl="1">
+              <a:lnSpc>
+                <a:spcPct val="160000"/>
+              </a:lnSpc>
+            </a:pPr>
+            <a:r>
+              <a:rPr lang="zh-CN" altLang="en-US" dirty="0" smtClean="0">
+                <a:latin typeface="微软雅黑" pitchFamily="34" charset="-122"/>
+                <a:ea typeface="微软雅黑" pitchFamily="34" charset="-122"/>
+              </a:rPr>
+              <a:t>象</a:t>
+            </a:r>
+            <a:r>
+              <a:rPr lang="zh-CN" altLang="en-US" dirty="0" smtClean="0">
+                <a:latin typeface="微软雅黑" pitchFamily="34" charset="-122"/>
+                <a:ea typeface="微软雅黑" pitchFamily="34" charset="-122"/>
+              </a:rPr>
+              <a:t>限一</a:t>
+            </a:r>
+            <a:endParaRPr lang="en-US" altLang="zh-CN" dirty="0" smtClean="0">
+              <a:latin typeface="微软雅黑" pitchFamily="34" charset="-122"/>
+              <a:ea typeface="微软雅黑" pitchFamily="34" charset="-122"/>
+            </a:endParaRPr>
+          </a:p>
+          <a:p>
+            <a:pPr lvl="1">
+              <a:lnSpc>
+                <a:spcPct val="160000"/>
+              </a:lnSpc>
+            </a:pPr>
+            <a:r>
+              <a:rPr lang="zh-CN" altLang="en-US" dirty="0" smtClean="0">
+                <a:latin typeface="微软雅黑" pitchFamily="34" charset="-122"/>
+                <a:ea typeface="微软雅黑" pitchFamily="34" charset="-122"/>
+              </a:rPr>
+              <a:t>象</a:t>
+            </a:r>
+            <a:r>
+              <a:rPr lang="zh-CN" altLang="en-US" dirty="0" smtClean="0">
+                <a:latin typeface="微软雅黑" pitchFamily="34" charset="-122"/>
+                <a:ea typeface="微软雅黑" pitchFamily="34" charset="-122"/>
+              </a:rPr>
+              <a:t>限二</a:t>
+            </a:r>
+            <a:endParaRPr lang="en-US" altLang="zh-CN" dirty="0" smtClean="0">
+              <a:latin typeface="微软雅黑" pitchFamily="34" charset="-122"/>
+              <a:ea typeface="微软雅黑" pitchFamily="34" charset="-122"/>
+            </a:endParaRPr>
+          </a:p>
+          <a:p>
+            <a:pPr lvl="1">
+              <a:lnSpc>
+                <a:spcPct val="160000"/>
+              </a:lnSpc>
+            </a:pPr>
+            <a:r>
+              <a:rPr lang="zh-CN" altLang="en-US" dirty="0" smtClean="0">
+                <a:latin typeface="微软雅黑" pitchFamily="34" charset="-122"/>
+                <a:ea typeface="微软雅黑" pitchFamily="34" charset="-122"/>
+              </a:rPr>
+              <a:t>支</a:t>
+            </a:r>
+            <a:r>
+              <a:rPr lang="zh-CN" altLang="en-US" dirty="0" smtClean="0">
+                <a:latin typeface="微软雅黑" pitchFamily="34" charset="-122"/>
+                <a:ea typeface="微软雅黑" pitchFamily="34" charset="-122"/>
+              </a:rPr>
+              <a:t>持程序员</a:t>
+            </a:r>
+            <a:endParaRPr lang="en-US" altLang="zh-CN" dirty="0" smtClean="0">
+              <a:latin typeface="微软雅黑" pitchFamily="34" charset="-122"/>
+              <a:ea typeface="微软雅黑" pitchFamily="34" charset="-122"/>
+            </a:endParaRPr>
+          </a:p>
+          <a:p>
+            <a:pPr>
+              <a:lnSpc>
+                <a:spcPct val="160000"/>
+              </a:lnSpc>
+            </a:pPr>
+            <a:r>
+              <a:rPr lang="zh-CN" altLang="en-US" dirty="0" smtClean="0">
+                <a:latin typeface="微软雅黑" pitchFamily="34" charset="-122"/>
+                <a:ea typeface="微软雅黑" pitchFamily="34" charset="-122"/>
+              </a:rPr>
+              <a:t>评</a:t>
+            </a:r>
+            <a:r>
+              <a:rPr lang="zh-CN" altLang="en-US" dirty="0" smtClean="0">
+                <a:latin typeface="微软雅黑" pitchFamily="34" charset="-122"/>
+                <a:ea typeface="微软雅黑" pitchFamily="34" charset="-122"/>
+              </a:rPr>
+              <a:t>价产品的测试</a:t>
+            </a:r>
+            <a:endParaRPr lang="en-US" altLang="zh-CN" dirty="0" smtClean="0">
+              <a:latin typeface="微软雅黑" pitchFamily="34" charset="-122"/>
+              <a:ea typeface="微软雅黑" pitchFamily="34" charset="-122"/>
+            </a:endParaRPr>
+          </a:p>
+          <a:p>
+            <a:pPr lvl="1">
+              <a:lnSpc>
+                <a:spcPct val="160000"/>
+              </a:lnSpc>
+            </a:pPr>
+            <a:r>
+              <a:rPr lang="zh-CN" altLang="en-US" dirty="0" smtClean="0">
+                <a:latin typeface="微软雅黑" pitchFamily="34" charset="-122"/>
+                <a:ea typeface="微软雅黑" pitchFamily="34" charset="-122"/>
+              </a:rPr>
+              <a:t>象限三</a:t>
+            </a:r>
+            <a:endParaRPr lang="en-US" altLang="zh-CN" dirty="0" smtClean="0">
+              <a:latin typeface="微软雅黑" pitchFamily="34" charset="-122"/>
+              <a:ea typeface="微软雅黑" pitchFamily="34" charset="-122"/>
+            </a:endParaRPr>
+          </a:p>
+          <a:p>
+            <a:pPr lvl="1">
+              <a:lnSpc>
+                <a:spcPct val="160000"/>
+              </a:lnSpc>
+            </a:pPr>
+            <a:r>
+              <a:rPr lang="zh-CN" altLang="en-US" dirty="0" smtClean="0">
+                <a:latin typeface="微软雅黑" pitchFamily="34" charset="-122"/>
+                <a:ea typeface="微软雅黑" pitchFamily="34" charset="-122"/>
+              </a:rPr>
+              <a:t>象</a:t>
+            </a:r>
+            <a:r>
+              <a:rPr lang="zh-CN" altLang="en-US" dirty="0" smtClean="0">
+                <a:latin typeface="微软雅黑" pitchFamily="34" charset="-122"/>
+                <a:ea typeface="微软雅黑" pitchFamily="34" charset="-122"/>
+              </a:rPr>
+              <a:t>限四</a:t>
+            </a:r>
+            <a:endParaRPr lang="en-US" altLang="zh-CN" dirty="0" smtClean="0">
+              <a:latin typeface="微软雅黑" pitchFamily="34" charset="-122"/>
+              <a:ea typeface="微软雅黑" pitchFamily="34" charset="-122"/>
+            </a:endParaRPr>
+          </a:p>
+          <a:p>
+            <a:pPr lvl="1">
+              <a:lnSpc>
+                <a:spcPct val="160000"/>
+              </a:lnSpc>
+            </a:pPr>
+            <a:r>
+              <a:rPr lang="zh-CN" altLang="en-US" dirty="0" smtClean="0">
+                <a:latin typeface="微软雅黑" pitchFamily="34" charset="-122"/>
+                <a:ea typeface="微软雅黑" pitchFamily="34" charset="-122"/>
+              </a:rPr>
+              <a:t>确保软件是用户需要的</a:t>
+            </a:r>
+            <a:endParaRPr lang="en-US" altLang="zh-CN" dirty="0" smtClean="0">
+              <a:latin typeface="微软雅黑" pitchFamily="34" charset="-122"/>
+              <a:ea typeface="微软雅黑" pitchFamily="34" charset="-122"/>
+            </a:endParaRPr>
+          </a:p>
+          <a:p>
+            <a:pPr lvl="1">
+              <a:lnSpc>
+                <a:spcPct val="160000"/>
+              </a:lnSpc>
+            </a:pPr>
+            <a:r>
+              <a:rPr lang="zh-CN" altLang="en-US" dirty="0" smtClean="0">
+                <a:latin typeface="微软雅黑" pitchFamily="34" charset="-122"/>
+                <a:ea typeface="微软雅黑" pitchFamily="34" charset="-122"/>
+              </a:rPr>
+              <a:t>赞扬、改进建议</a:t>
+            </a:r>
+            <a:endParaRPr lang="en-US" altLang="zh-CN" dirty="0" smtClean="0">
+              <a:latin typeface="微软雅黑" pitchFamily="34" charset="-122"/>
+              <a:ea typeface="微软雅黑" pitchFamily="34" charset="-122"/>
+            </a:endParaRPr>
+          </a:p>
+          <a:p>
+            <a:pPr lvl="1">
+              <a:lnSpc>
+                <a:spcPct val="160000"/>
+              </a:lnSpc>
+            </a:pPr>
+            <a:endParaRPr lang="en-US" altLang="zh-CN" dirty="0" smtClean="0">
+              <a:latin typeface="微软雅黑" pitchFamily="34" charset="-122"/>
+              <a:ea typeface="微软雅黑" pitchFamily="34" charset="-122"/>
+            </a:endParaRPr>
+          </a:p>
+          <a:p>
+            <a:pPr>
+              <a:lnSpc>
+                <a:spcPct val="160000"/>
+              </a:lnSpc>
+            </a:pPr>
+            <a:endParaRPr lang="zh-CN" altLang="en-US" dirty="0">
+              <a:latin typeface="微软雅黑" pitchFamily="34" charset="-122"/>
+              <a:ea typeface="微软雅黑" pitchFamily="34" charset="-122"/>
+            </a:endParaRPr>
+          </a:p>
+        </p:txBody>
+      </p:sp>
+    </p:spTree>
+  </p:cSld>
+  <p:clrMapOvr>
+    <a:masterClrMapping/>
+  </p:clrMapOvr>
+</p:sld>
+</file>
+
+<file path=ppt/slides/slide5.xml><?xml version="1.0" encoding="utf-8"?>
+<p:sld xmlns:a="http://schemas.openxmlformats.org/drawingml/2006/main" xmlns:r="http://schemas.openxmlformats.org/officeDocument/2006/relationships" xmlns:p="http://schemas.openxmlformats.org/presentationml/2006/main">
+  <p:cSld>
+    <p:spTree>
+      <p:nvGrpSpPr>
+        <p:cNvPr id="1" name=""/>
+        <p:cNvGrpSpPr/>
+        <p:nvPr/>
+      </p:nvGrpSpPr>
+      <p:grpSpPr>
+        <a:xfrm>
+          <a:off x="0" y="0"/>
+          <a:ext cx="0" cy="0"/>
+          <a:chOff x="0" y="0"/>
+          <a:chExt cx="0" cy="0"/>
+        </a:xfrm>
+      </p:grpSpPr>
+      <p:sp>
+        <p:nvSpPr>
+          <p:cNvPr id="2" name="标题 1"/>
+          <p:cNvSpPr>
+            <a:spLocks noGrp="1"/>
+          </p:cNvSpPr>
+          <p:nvPr>
+            <p:ph type="title"/>
+          </p:nvPr>
+        </p:nvSpPr>
+        <p:spPr/>
+        <p:txBody>
+          <a:bodyPr/>
+          <a:lstStyle/>
+          <a:p>
+            <a:r>
+              <a:rPr lang="zh-CN" altLang="en-US" dirty="0" smtClean="0">
+                <a:latin typeface="微软雅黑" pitchFamily="34" charset="-122"/>
+                <a:ea typeface="微软雅黑" pitchFamily="34" charset="-122"/>
+              </a:rPr>
+              <a:t>象限一</a:t>
+            </a:r>
+            <a:endParaRPr lang="zh-CN" altLang="en-US" dirty="0">
+              <a:latin typeface="微软雅黑" pitchFamily="34" charset="-122"/>
+              <a:ea typeface="微软雅黑" pitchFamily="34" charset="-122"/>
+            </a:endParaRPr>
+          </a:p>
+        </p:txBody>
+      </p:sp>
+      <p:sp>
+        <p:nvSpPr>
+          <p:cNvPr id="3" name="内容占位符 2"/>
+          <p:cNvSpPr>
+            <a:spLocks noGrp="1"/>
+          </p:cNvSpPr>
+          <p:nvPr>
+            <p:ph idx="1"/>
+          </p:nvPr>
+        </p:nvSpPr>
+        <p:spPr/>
+        <p:txBody>
+          <a:bodyPr>
+            <a:normAutofit fontScale="77500" lnSpcReduction="20000"/>
+          </a:bodyPr>
+          <a:lstStyle/>
+          <a:p>
+            <a:pPr>
+              <a:lnSpc>
+                <a:spcPct val="150000"/>
+              </a:lnSpc>
+            </a:pPr>
+            <a:r>
+              <a:rPr lang="zh-CN" altLang="en-US" dirty="0" smtClean="0">
+                <a:latin typeface="微软雅黑" pitchFamily="34" charset="-122"/>
+                <a:ea typeface="微软雅黑" pitchFamily="34" charset="-122"/>
+              </a:rPr>
+              <a:t>代表</a:t>
+            </a:r>
+            <a:r>
+              <a:rPr lang="en-US" altLang="zh-CN" dirty="0" smtClean="0">
+                <a:latin typeface="微软雅黑" pitchFamily="34" charset="-122"/>
+                <a:ea typeface="微软雅黑" pitchFamily="34" charset="-122"/>
+              </a:rPr>
+              <a:t>TDD</a:t>
+            </a:r>
+            <a:r>
+              <a:rPr lang="zh-CN" altLang="en-US" dirty="0" smtClean="0">
+                <a:latin typeface="微软雅黑" pitchFamily="34" charset="-122"/>
+                <a:ea typeface="微软雅黑" pitchFamily="34" charset="-122"/>
+              </a:rPr>
+              <a:t>，核心的敏捷开发实践</a:t>
+            </a:r>
+            <a:endParaRPr lang="en-US" altLang="zh-CN" dirty="0" smtClean="0">
+              <a:latin typeface="微软雅黑" pitchFamily="34" charset="-122"/>
+              <a:ea typeface="微软雅黑" pitchFamily="34" charset="-122"/>
+            </a:endParaRPr>
+          </a:p>
+          <a:p>
+            <a:pPr lvl="1">
+              <a:lnSpc>
+                <a:spcPct val="150000"/>
+              </a:lnSpc>
+            </a:pPr>
+            <a:r>
+              <a:rPr lang="zh-CN" altLang="en-US" dirty="0" smtClean="0">
+                <a:latin typeface="微软雅黑" pitchFamily="34" charset="-122"/>
+                <a:ea typeface="微软雅黑" pitchFamily="34" charset="-122"/>
+              </a:rPr>
+              <a:t>测试驱动开发、测试驱动设计</a:t>
+            </a:r>
+            <a:endParaRPr lang="en-US" altLang="zh-CN" dirty="0" smtClean="0">
+              <a:latin typeface="微软雅黑" pitchFamily="34" charset="-122"/>
+              <a:ea typeface="微软雅黑" pitchFamily="34" charset="-122"/>
+            </a:endParaRPr>
+          </a:p>
+          <a:p>
+            <a:pPr>
+              <a:lnSpc>
+                <a:spcPct val="150000"/>
+              </a:lnSpc>
+            </a:pPr>
+            <a:r>
+              <a:rPr lang="zh-CN" altLang="en-US" dirty="0" smtClean="0">
+                <a:latin typeface="微软雅黑" pitchFamily="34" charset="-122"/>
+                <a:ea typeface="微软雅黑" pitchFamily="34" charset="-122"/>
+              </a:rPr>
+              <a:t>单元测试</a:t>
+            </a:r>
+            <a:endParaRPr lang="en-US" altLang="zh-CN" dirty="0" smtClean="0">
+              <a:latin typeface="微软雅黑" pitchFamily="34" charset="-122"/>
+              <a:ea typeface="微软雅黑" pitchFamily="34" charset="-122"/>
+            </a:endParaRPr>
+          </a:p>
+          <a:p>
+            <a:pPr lvl="1">
+              <a:lnSpc>
+                <a:spcPct val="150000"/>
+              </a:lnSpc>
+            </a:pPr>
+            <a:r>
+              <a:rPr lang="zh-CN" altLang="en-US" dirty="0" smtClean="0">
+                <a:latin typeface="微软雅黑" pitchFamily="34" charset="-122"/>
+                <a:ea typeface="微软雅黑" pitchFamily="34" charset="-122"/>
+              </a:rPr>
+              <a:t>测</a:t>
+            </a:r>
+            <a:r>
+              <a:rPr lang="zh-CN" altLang="en-US" dirty="0" smtClean="0">
+                <a:latin typeface="微软雅黑" pitchFamily="34" charset="-122"/>
+                <a:ea typeface="微软雅黑" pitchFamily="34" charset="-122"/>
+              </a:rPr>
+              <a:t>试一个对象、方法、函数</a:t>
+            </a:r>
+            <a:endParaRPr lang="en-US" altLang="zh-CN" dirty="0" smtClean="0">
+              <a:latin typeface="微软雅黑" pitchFamily="34" charset="-122"/>
+              <a:ea typeface="微软雅黑" pitchFamily="34" charset="-122"/>
+            </a:endParaRPr>
+          </a:p>
+          <a:p>
+            <a:pPr>
+              <a:lnSpc>
+                <a:spcPct val="150000"/>
+              </a:lnSpc>
+            </a:pPr>
+            <a:r>
+              <a:rPr lang="zh-CN" altLang="en-US" dirty="0" smtClean="0">
+                <a:latin typeface="微软雅黑" pitchFamily="34" charset="-122"/>
+                <a:ea typeface="微软雅黑" pitchFamily="34" charset="-122"/>
+              </a:rPr>
+              <a:t>组</a:t>
+            </a:r>
+            <a:r>
+              <a:rPr lang="zh-CN" altLang="en-US" dirty="0" smtClean="0">
+                <a:latin typeface="微软雅黑" pitchFamily="34" charset="-122"/>
+                <a:ea typeface="微软雅黑" pitchFamily="34" charset="-122"/>
+              </a:rPr>
+              <a:t>建测试</a:t>
+            </a:r>
+            <a:endParaRPr lang="en-US" altLang="zh-CN" dirty="0" smtClean="0">
+              <a:latin typeface="微软雅黑" pitchFamily="34" charset="-122"/>
+              <a:ea typeface="微软雅黑" pitchFamily="34" charset="-122"/>
+            </a:endParaRPr>
+          </a:p>
+          <a:p>
+            <a:pPr lvl="1">
+              <a:lnSpc>
+                <a:spcPct val="150000"/>
+              </a:lnSpc>
+            </a:pPr>
+            <a:r>
+              <a:rPr lang="zh-CN" altLang="en-US" dirty="0" smtClean="0">
+                <a:latin typeface="微软雅黑" pitchFamily="34" charset="-122"/>
+                <a:ea typeface="微软雅黑" pitchFamily="34" charset="-122"/>
+              </a:rPr>
+              <a:t>测</a:t>
+            </a:r>
+            <a:r>
+              <a:rPr lang="zh-CN" altLang="en-US" dirty="0" smtClean="0">
+                <a:latin typeface="微软雅黑" pitchFamily="34" charset="-122"/>
+                <a:ea typeface="微软雅黑" pitchFamily="34" charset="-122"/>
+              </a:rPr>
+              <a:t>试提供某些服务的一组类、函数</a:t>
+            </a:r>
+            <a:endParaRPr lang="en-US" altLang="zh-CN" dirty="0" smtClean="0">
+              <a:latin typeface="微软雅黑" pitchFamily="34" charset="-122"/>
+              <a:ea typeface="微软雅黑" pitchFamily="34" charset="-122"/>
+            </a:endParaRPr>
+          </a:p>
+          <a:p>
+            <a:pPr>
+              <a:lnSpc>
+                <a:spcPct val="150000"/>
+              </a:lnSpc>
+            </a:pPr>
+            <a:r>
+              <a:rPr lang="zh-CN" altLang="en-US" dirty="0" smtClean="0">
+                <a:latin typeface="微软雅黑" pitchFamily="34" charset="-122"/>
+                <a:ea typeface="微软雅黑" pitchFamily="34" charset="-122"/>
+              </a:rPr>
+              <a:t>确保内部质量</a:t>
+            </a:r>
+            <a:endParaRPr lang="en-US" altLang="zh-CN" dirty="0" smtClean="0">
+              <a:latin typeface="微软雅黑" pitchFamily="34" charset="-122"/>
+              <a:ea typeface="微软雅黑" pitchFamily="34" charset="-122"/>
+            </a:endParaRPr>
+          </a:p>
+          <a:p>
+            <a:pPr>
+              <a:lnSpc>
+                <a:spcPct val="150000"/>
+              </a:lnSpc>
+            </a:pPr>
+            <a:r>
+              <a:rPr lang="zh-CN" altLang="en-US" dirty="0" smtClean="0">
+                <a:latin typeface="微软雅黑" pitchFamily="34" charset="-122"/>
+                <a:ea typeface="微软雅黑" pitchFamily="34" charset="-122"/>
+              </a:rPr>
+              <a:t>自动</a:t>
+            </a:r>
+            <a:r>
+              <a:rPr lang="zh-CN" altLang="en-US" dirty="0" smtClean="0">
+                <a:latin typeface="微软雅黑" pitchFamily="34" charset="-122"/>
+                <a:ea typeface="微软雅黑" pitchFamily="34" charset="-122"/>
+              </a:rPr>
+              <a:t>化执行，持续提供反馈</a:t>
+            </a:r>
+            <a:endParaRPr lang="en-US" altLang="zh-CN" dirty="0" smtClean="0">
+              <a:latin typeface="微软雅黑" pitchFamily="34" charset="-122"/>
+              <a:ea typeface="微软雅黑" pitchFamily="34" charset="-122"/>
+            </a:endParaRPr>
+          </a:p>
+        </p:txBody>
+      </p:sp>
+    </p:spTree>
+  </p:cSld>
+  <p:clrMapOvr>
+    <a:masterClrMapping/>
+  </p:clrMapOvr>
+</p:sld>
+</file>
+
+<file path=ppt/slides/slide6.xml><?xml version="1.0" encoding="utf-8"?>
+<p:sld xmlns:a="http://schemas.openxmlformats.org/drawingml/2006/main" xmlns:r="http://schemas.openxmlformats.org/officeDocument/2006/relationships" xmlns:p="http://schemas.openxmlformats.org/presentationml/2006/main">
+  <p:cSld>
+    <p:spTree>
+      <p:nvGrpSpPr>
+        <p:cNvPr id="1" name=""/>
+        <p:cNvGrpSpPr/>
+        <p:nvPr/>
+      </p:nvGrpSpPr>
+      <p:grpSpPr>
+        <a:xfrm>
+          <a:off x="0" y="0"/>
+          <a:ext cx="0" cy="0"/>
+          <a:chOff x="0" y="0"/>
+          <a:chExt cx="0" cy="0"/>
+        </a:xfrm>
+      </p:grpSpPr>
+      <p:sp>
+        <p:nvSpPr>
+          <p:cNvPr id="2" name="标题 1"/>
+          <p:cNvSpPr>
+            <a:spLocks noGrp="1"/>
+          </p:cNvSpPr>
+          <p:nvPr>
+            <p:ph type="title"/>
+          </p:nvPr>
+        </p:nvSpPr>
+        <p:spPr/>
+        <p:txBody>
+          <a:bodyPr/>
+          <a:lstStyle/>
+          <a:p>
+            <a:r>
+              <a:rPr lang="zh-CN" altLang="en-US" dirty="0" smtClean="0">
+                <a:latin typeface="微软雅黑" pitchFamily="34" charset="-122"/>
+                <a:ea typeface="微软雅黑" pitchFamily="34" charset="-122"/>
+              </a:rPr>
+              <a:t>象限二</a:t>
+            </a:r>
+            <a:endParaRPr lang="zh-CN" altLang="en-US" dirty="0">
+              <a:latin typeface="微软雅黑" pitchFamily="34" charset="-122"/>
+              <a:ea typeface="微软雅黑" pitchFamily="34" charset="-122"/>
+            </a:endParaRPr>
+          </a:p>
+        </p:txBody>
+      </p:sp>
+      <p:sp>
+        <p:nvSpPr>
+          <p:cNvPr id="3" name="内容占位符 2"/>
+          <p:cNvSpPr>
+            <a:spLocks noGrp="1"/>
+          </p:cNvSpPr>
+          <p:nvPr>
+            <p:ph idx="1"/>
+          </p:nvPr>
+        </p:nvSpPr>
+        <p:spPr/>
+        <p:txBody>
+          <a:bodyPr>
+            <a:normAutofit fontScale="85000" lnSpcReduction="10000"/>
+          </a:bodyPr>
+          <a:lstStyle/>
+          <a:p>
+            <a:pPr>
+              <a:lnSpc>
+                <a:spcPct val="150000"/>
+              </a:lnSpc>
+            </a:pPr>
+            <a:r>
+              <a:rPr lang="zh-CN" altLang="en-US" dirty="0" smtClean="0">
+                <a:latin typeface="微软雅黑" pitchFamily="34" charset="-122"/>
+                <a:ea typeface="微软雅黑" pitchFamily="34" charset="-122"/>
+              </a:rPr>
+              <a:t>与象限一类似，支持开发团队的工作；不过层次更高。</a:t>
+            </a:r>
+            <a:endParaRPr lang="en-US" altLang="zh-CN" dirty="0" smtClean="0">
+              <a:latin typeface="微软雅黑" pitchFamily="34" charset="-122"/>
+              <a:ea typeface="微软雅黑" pitchFamily="34" charset="-122"/>
+            </a:endParaRPr>
+          </a:p>
+          <a:p>
+            <a:pPr>
+              <a:lnSpc>
+                <a:spcPct val="150000"/>
+              </a:lnSpc>
+            </a:pPr>
+            <a:r>
+              <a:rPr lang="zh-CN" altLang="en-US" dirty="0" smtClean="0">
+                <a:latin typeface="微软雅黑" pitchFamily="34" charset="-122"/>
+                <a:ea typeface="微软雅黑" pitchFamily="34" charset="-122"/>
+              </a:rPr>
+              <a:t>面</a:t>
+            </a:r>
+            <a:r>
+              <a:rPr lang="zh-CN" altLang="en-US" dirty="0" smtClean="0">
+                <a:latin typeface="微软雅黑" pitchFamily="34" charset="-122"/>
+                <a:ea typeface="微软雅黑" pitchFamily="34" charset="-122"/>
+              </a:rPr>
+              <a:t>向业务的测试，确定外部质量和客户需要的功能。</a:t>
+            </a:r>
+            <a:endParaRPr lang="en-US" altLang="zh-CN" dirty="0" smtClean="0">
+              <a:latin typeface="微软雅黑" pitchFamily="34" charset="-122"/>
+              <a:ea typeface="微软雅黑" pitchFamily="34" charset="-122"/>
+            </a:endParaRPr>
+          </a:p>
+          <a:p>
+            <a:pPr>
+              <a:lnSpc>
+                <a:spcPct val="150000"/>
+              </a:lnSpc>
+            </a:pPr>
+            <a:r>
+              <a:rPr lang="zh-CN" altLang="en-US" dirty="0" smtClean="0">
+                <a:latin typeface="微软雅黑" pitchFamily="34" charset="-122"/>
+                <a:ea typeface="微软雅黑" pitchFamily="34" charset="-122"/>
+              </a:rPr>
+              <a:t>每</a:t>
+            </a:r>
+            <a:r>
+              <a:rPr lang="zh-CN" altLang="en-US" dirty="0" smtClean="0">
+                <a:latin typeface="微软雅黑" pitchFamily="34" charset="-122"/>
+                <a:ea typeface="微软雅黑" pitchFamily="34" charset="-122"/>
+              </a:rPr>
+              <a:t>个测试验证一个业务场景是否满足。</a:t>
+            </a:r>
+            <a:endParaRPr lang="en-US" altLang="zh-CN" dirty="0" smtClean="0">
+              <a:latin typeface="微软雅黑" pitchFamily="34" charset="-122"/>
+              <a:ea typeface="微软雅黑" pitchFamily="34" charset="-122"/>
+            </a:endParaRPr>
+          </a:p>
+          <a:p>
+            <a:pPr>
+              <a:lnSpc>
+                <a:spcPct val="150000"/>
+              </a:lnSpc>
+            </a:pPr>
+            <a:r>
+              <a:rPr lang="zh-CN" altLang="en-US" dirty="0" smtClean="0">
+                <a:latin typeface="微软雅黑" pitchFamily="34" charset="-122"/>
+                <a:ea typeface="微软雅黑" pitchFamily="34" charset="-122"/>
+              </a:rPr>
+              <a:t>使</a:t>
+            </a:r>
+            <a:r>
+              <a:rPr lang="zh-CN" altLang="en-US" dirty="0" smtClean="0">
+                <a:latin typeface="微软雅黑" pitchFamily="34" charset="-122"/>
+                <a:ea typeface="微软雅黑" pitchFamily="34" charset="-122"/>
+              </a:rPr>
+              <a:t>用业务领域语言编写（</a:t>
+            </a:r>
+            <a:r>
+              <a:rPr lang="en-US" altLang="zh-CN" dirty="0" smtClean="0">
+                <a:latin typeface="微软雅黑" pitchFamily="34" charset="-122"/>
+                <a:ea typeface="微软雅黑" pitchFamily="34" charset="-122"/>
+              </a:rPr>
+              <a:t>DSL</a:t>
+            </a:r>
+            <a:r>
+              <a:rPr lang="zh-CN" altLang="en-US" dirty="0" smtClean="0">
+                <a:latin typeface="微软雅黑" pitchFamily="34" charset="-122"/>
+                <a:ea typeface="微软雅黑" pitchFamily="34" charset="-122"/>
+              </a:rPr>
+              <a:t>）。</a:t>
+            </a:r>
+            <a:endParaRPr lang="en-US" altLang="zh-CN" dirty="0" smtClean="0">
+              <a:latin typeface="微软雅黑" pitchFamily="34" charset="-122"/>
+              <a:ea typeface="微软雅黑" pitchFamily="34" charset="-122"/>
+            </a:endParaRPr>
+          </a:p>
+          <a:p>
+            <a:pPr>
+              <a:lnSpc>
+                <a:spcPct val="150000"/>
+              </a:lnSpc>
+            </a:pPr>
+            <a:r>
+              <a:rPr lang="zh-CN" altLang="en-US" dirty="0" smtClean="0">
+                <a:latin typeface="微软雅黑" pitchFamily="34" charset="-122"/>
+                <a:ea typeface="微软雅黑" pitchFamily="34" charset="-122"/>
+              </a:rPr>
+              <a:t>自动</a:t>
+            </a:r>
+            <a:r>
+              <a:rPr lang="zh-CN" altLang="en-US" dirty="0" smtClean="0">
+                <a:latin typeface="微软雅黑" pitchFamily="34" charset="-122"/>
+                <a:ea typeface="微软雅黑" pitchFamily="34" charset="-122"/>
+              </a:rPr>
+              <a:t>化执行，快速提供反馈。</a:t>
+            </a:r>
+            <a:endParaRPr lang="en-US" altLang="zh-CN" dirty="0" smtClean="0">
+              <a:latin typeface="微软雅黑" pitchFamily="34" charset="-122"/>
+              <a:ea typeface="微软雅黑" pitchFamily="34" charset="-122"/>
+            </a:endParaRPr>
+          </a:p>
+          <a:p>
+            <a:endParaRPr lang="zh-CN" altLang="en-US" dirty="0">
+              <a:latin typeface="微软雅黑" pitchFamily="34" charset="-122"/>
+              <a:ea typeface="微软雅黑" pitchFamily="34" charset="-122"/>
+            </a:endParaRPr>
+          </a:p>
+        </p:txBody>
+      </p:sp>
+    </p:spTree>
+  </p:cSld>
+  <p:clrMapOvr>
+    <a:masterClrMapping/>
+  </p:clrMapOvr>
+</p:sld>
+</file>
+
+<file path=ppt/slides/slide7.xml><?xml version="1.0" encoding="utf-8"?>
+<p:sld xmlns:a="http://schemas.openxmlformats.org/drawingml/2006/main" xmlns:r="http://schemas.openxmlformats.org/officeDocument/2006/relationships" xmlns:p="http://schemas.openxmlformats.org/presentationml/2006/main">
+  <p:cSld>
+    <p:spTree>
+      <p:nvGrpSpPr>
+        <p:cNvPr id="1" name=""/>
+        <p:cNvGrpSpPr/>
+        <p:nvPr/>
+      </p:nvGrpSpPr>
+      <p:grpSpPr>
+        <a:xfrm>
+          <a:off x="0" y="0"/>
+          <a:ext cx="0" cy="0"/>
+          <a:chOff x="0" y="0"/>
+          <a:chExt cx="0" cy="0"/>
+        </a:xfrm>
+      </p:grpSpPr>
+      <p:sp>
+        <p:nvSpPr>
+          <p:cNvPr id="2" name="标题 1"/>
+          <p:cNvSpPr>
+            <a:spLocks noGrp="1"/>
+          </p:cNvSpPr>
+          <p:nvPr>
+            <p:ph type="title"/>
+          </p:nvPr>
+        </p:nvSpPr>
+        <p:spPr/>
+        <p:txBody>
+          <a:bodyPr/>
+          <a:lstStyle/>
+          <a:p>
+            <a:r>
+              <a:rPr lang="zh-CN" altLang="en-US" dirty="0" smtClean="0">
+                <a:latin typeface="微软雅黑" pitchFamily="34" charset="-122"/>
+                <a:ea typeface="微软雅黑" pitchFamily="34" charset="-122"/>
+              </a:rPr>
+              <a:t>象限三</a:t>
+            </a:r>
+            <a:endParaRPr lang="zh-CN" altLang="en-US" dirty="0">
+              <a:latin typeface="微软雅黑" pitchFamily="34" charset="-122"/>
+              <a:ea typeface="微软雅黑" pitchFamily="34" charset="-122"/>
+            </a:endParaRPr>
+          </a:p>
+        </p:txBody>
+      </p:sp>
+      <p:sp>
+        <p:nvSpPr>
+          <p:cNvPr id="3" name="内容占位符 2"/>
+          <p:cNvSpPr>
+            <a:spLocks noGrp="1"/>
+          </p:cNvSpPr>
+          <p:nvPr>
+            <p:ph idx="1"/>
+          </p:nvPr>
+        </p:nvSpPr>
+        <p:spPr/>
+        <p:txBody>
+          <a:bodyPr>
+            <a:normAutofit fontScale="85000" lnSpcReduction="20000"/>
+          </a:bodyPr>
+          <a:lstStyle/>
+          <a:p>
+            <a:pPr>
+              <a:lnSpc>
+                <a:spcPct val="150000"/>
+              </a:lnSpc>
+            </a:pPr>
+            <a:r>
+              <a:rPr lang="zh-CN" altLang="en-US" dirty="0" smtClean="0">
+                <a:latin typeface="微软雅黑" pitchFamily="34" charset="-122"/>
+                <a:ea typeface="微软雅黑" pitchFamily="34" charset="-122"/>
+              </a:rPr>
+              <a:t>面向业务的测试，帮助团队设计用户期望的产品。</a:t>
+            </a:r>
+            <a:endParaRPr lang="en-US" altLang="zh-CN" dirty="0" smtClean="0">
+              <a:latin typeface="微软雅黑" pitchFamily="34" charset="-122"/>
+              <a:ea typeface="微软雅黑" pitchFamily="34" charset="-122"/>
+            </a:endParaRPr>
+          </a:p>
+          <a:p>
+            <a:pPr>
+              <a:lnSpc>
+                <a:spcPct val="150000"/>
+              </a:lnSpc>
+            </a:pPr>
+            <a:r>
+              <a:rPr lang="zh-CN" altLang="en-US" dirty="0" smtClean="0">
+                <a:latin typeface="微软雅黑" pitchFamily="34" charset="-122"/>
+                <a:ea typeface="微软雅黑" pitchFamily="34" charset="-122"/>
+              </a:rPr>
+              <a:t>验证是否达到用户的期望，或能否对抗竞争。</a:t>
+            </a:r>
+            <a:endParaRPr lang="en-US" altLang="zh-CN" dirty="0" smtClean="0">
+              <a:latin typeface="微软雅黑" pitchFamily="34" charset="-122"/>
+              <a:ea typeface="微软雅黑" pitchFamily="34" charset="-122"/>
+            </a:endParaRPr>
+          </a:p>
+          <a:p>
+            <a:pPr>
+              <a:lnSpc>
+                <a:spcPct val="150000"/>
+              </a:lnSpc>
+            </a:pPr>
+            <a:r>
+              <a:rPr lang="zh-CN" altLang="en-US" dirty="0" smtClean="0">
+                <a:latin typeface="微软雅黑" pitchFamily="34" charset="-122"/>
+                <a:ea typeface="微软雅黑" pitchFamily="34" charset="-122"/>
+              </a:rPr>
+              <a:t>尽量模仿真正用户的使用方式（由人主导，自动化辅助）。</a:t>
+            </a:r>
+            <a:endParaRPr lang="en-US" altLang="zh-CN" dirty="0" smtClean="0">
+              <a:latin typeface="微软雅黑" pitchFamily="34" charset="-122"/>
+              <a:ea typeface="微软雅黑" pitchFamily="34" charset="-122"/>
+            </a:endParaRPr>
+          </a:p>
+          <a:p>
+            <a:pPr>
+              <a:lnSpc>
+                <a:spcPct val="150000"/>
+              </a:lnSpc>
+            </a:pPr>
+            <a:r>
+              <a:rPr lang="zh-CN" altLang="en-US" dirty="0" smtClean="0">
+                <a:latin typeface="微软雅黑" pitchFamily="34" charset="-122"/>
+                <a:ea typeface="微软雅黑" pitchFamily="34" charset="-122"/>
+              </a:rPr>
+              <a:t>用户验收测试（</a:t>
+            </a:r>
+            <a:r>
+              <a:rPr lang="en-US" altLang="zh-CN" dirty="0" smtClean="0">
+                <a:latin typeface="微软雅黑" pitchFamily="34" charset="-122"/>
+                <a:ea typeface="微软雅黑" pitchFamily="34" charset="-122"/>
+              </a:rPr>
+              <a:t>UAT</a:t>
+            </a:r>
+            <a:r>
+              <a:rPr lang="zh-CN" altLang="en-US" dirty="0" smtClean="0">
+                <a:latin typeface="微软雅黑" pitchFamily="34" charset="-122"/>
+                <a:ea typeface="微软雅黑" pitchFamily="34" charset="-122"/>
+              </a:rPr>
+              <a:t>），获取用户反馈。</a:t>
+            </a:r>
+            <a:endParaRPr lang="en-US" altLang="zh-CN" dirty="0" smtClean="0">
+              <a:latin typeface="微软雅黑" pitchFamily="34" charset="-122"/>
+              <a:ea typeface="微软雅黑" pitchFamily="34" charset="-122"/>
+            </a:endParaRPr>
+          </a:p>
+          <a:p>
+            <a:pPr>
+              <a:lnSpc>
+                <a:spcPct val="150000"/>
+              </a:lnSpc>
+            </a:pPr>
+            <a:r>
+              <a:rPr lang="zh-CN" altLang="en-US" dirty="0" smtClean="0">
+                <a:latin typeface="微软雅黑" pitchFamily="34" charset="-122"/>
+                <a:ea typeface="微软雅黑" pitchFamily="34" charset="-122"/>
+              </a:rPr>
+              <a:t>可用</a:t>
+            </a:r>
+            <a:r>
+              <a:rPr lang="zh-CN" altLang="en-US" dirty="0" smtClean="0">
+                <a:latin typeface="微软雅黑" pitchFamily="34" charset="-122"/>
+                <a:ea typeface="微软雅黑" pitchFamily="34" charset="-122"/>
+              </a:rPr>
+              <a:t>性测试（</a:t>
+            </a:r>
+            <a:r>
+              <a:rPr lang="en-US" altLang="zh-CN" dirty="0" smtClean="0">
+                <a:latin typeface="微软雅黑" pitchFamily="34" charset="-122"/>
+                <a:ea typeface="微软雅黑" pitchFamily="34" charset="-122"/>
+              </a:rPr>
+              <a:t>eg. </a:t>
+            </a:r>
+            <a:r>
+              <a:rPr lang="zh-CN" altLang="en-US" dirty="0" smtClean="0">
+                <a:latin typeface="微软雅黑" pitchFamily="34" charset="-122"/>
+                <a:ea typeface="微软雅黑" pitchFamily="34" charset="-122"/>
+              </a:rPr>
+              <a:t>响</a:t>
+            </a:r>
+            <a:r>
+              <a:rPr lang="zh-CN" altLang="en-US" dirty="0" smtClean="0">
+                <a:latin typeface="微软雅黑" pitchFamily="34" charset="-122"/>
+                <a:ea typeface="微软雅黑" pitchFamily="34" charset="-122"/>
+              </a:rPr>
+              <a:t>应时间）。</a:t>
+            </a:r>
+            <a:endParaRPr lang="en-US" altLang="zh-CN" dirty="0" smtClean="0">
+              <a:latin typeface="微软雅黑" pitchFamily="34" charset="-122"/>
+              <a:ea typeface="微软雅黑" pitchFamily="34" charset="-122"/>
+            </a:endParaRPr>
+          </a:p>
+          <a:p>
+            <a:pPr>
+              <a:lnSpc>
+                <a:spcPct val="150000"/>
+              </a:lnSpc>
+            </a:pPr>
+            <a:r>
+              <a:rPr lang="zh-CN" altLang="en-US" dirty="0" smtClean="0">
+                <a:latin typeface="微软雅黑" pitchFamily="34" charset="-122"/>
+                <a:ea typeface="微软雅黑" pitchFamily="34" charset="-122"/>
+              </a:rPr>
+              <a:t>探索</a:t>
+            </a:r>
+            <a:r>
+              <a:rPr lang="zh-CN" altLang="en-US" dirty="0" smtClean="0">
+                <a:latin typeface="微软雅黑" pitchFamily="34" charset="-122"/>
+                <a:ea typeface="微软雅黑" pitchFamily="34" charset="-122"/>
+              </a:rPr>
+              <a:t>性测试（依靠创造性、直觉）。</a:t>
+            </a:r>
+            <a:endParaRPr lang="zh-CN" altLang="en-US" dirty="0">
+              <a:latin typeface="微软雅黑" pitchFamily="34" charset="-122"/>
+              <a:ea typeface="微软雅黑" pitchFamily="34" charset="-122"/>
+            </a:endParaRPr>
+          </a:p>
+        </p:txBody>
+      </p:sp>
+    </p:spTree>
+  </p:cSld>
+  <p:clrMapOvr>
+    <a:masterClrMapping/>
+  </p:clrMapOvr>
+</p:sld>
+</file>
+
+<file path=ppt/slides/slide8.xml><?xml version="1.0" encoding="utf-8"?>
+<p:sld xmlns:a="http://schemas.openxmlformats.org/drawingml/2006/main" xmlns:r="http://schemas.openxmlformats.org/officeDocument/2006/relationships" xmlns:p="http://schemas.openxmlformats.org/presentationml/2006/main">
+  <p:cSld>
+    <p:spTree>
+      <p:nvGrpSpPr>
+        <p:cNvPr id="1" name=""/>
+        <p:cNvGrpSpPr/>
+        <p:nvPr/>
+      </p:nvGrpSpPr>
+      <p:grpSpPr>
+        <a:xfrm>
+          <a:off x="0" y="0"/>
+          <a:ext cx="0" cy="0"/>
+          <a:chOff x="0" y="0"/>
+          <a:chExt cx="0" cy="0"/>
+        </a:xfrm>
+      </p:grpSpPr>
+      <p:sp>
+        <p:nvSpPr>
+          <p:cNvPr id="2" name="标题 1"/>
+          <p:cNvSpPr>
+            <a:spLocks noGrp="1"/>
+          </p:cNvSpPr>
+          <p:nvPr>
+            <p:ph type="title"/>
+          </p:nvPr>
+        </p:nvSpPr>
+        <p:spPr/>
+        <p:txBody>
+          <a:bodyPr/>
+          <a:lstStyle/>
+          <a:p>
+            <a:r>
+              <a:rPr lang="zh-CN" altLang="en-US" dirty="0" smtClean="0">
+                <a:latin typeface="微软雅黑" pitchFamily="34" charset="-122"/>
+                <a:ea typeface="微软雅黑" pitchFamily="34" charset="-122"/>
+              </a:rPr>
+              <a:t>象限四</a:t>
+            </a:r>
+            <a:endParaRPr lang="zh-CN" altLang="en-US" dirty="0">
+              <a:latin typeface="微软雅黑" pitchFamily="34" charset="-122"/>
+              <a:ea typeface="微软雅黑" pitchFamily="34" charset="-122"/>
+            </a:endParaRPr>
+          </a:p>
+        </p:txBody>
+      </p:sp>
+      <p:sp>
+        <p:nvSpPr>
+          <p:cNvPr id="3" name="内容占位符 2"/>
+          <p:cNvSpPr>
+            <a:spLocks noGrp="1"/>
+          </p:cNvSpPr>
+          <p:nvPr>
+            <p:ph idx="1"/>
+          </p:nvPr>
+        </p:nvSpPr>
+        <p:spPr/>
+        <p:txBody>
+          <a:bodyPr/>
+          <a:lstStyle/>
+          <a:p>
+            <a:r>
+              <a:rPr lang="zh-CN" altLang="en-US" dirty="0" smtClean="0">
+                <a:latin typeface="微软雅黑" pitchFamily="34" charset="-122"/>
+                <a:ea typeface="微软雅黑" pitchFamily="34" charset="-122"/>
+              </a:rPr>
+              <a:t>面向技术的，是非功能属性。</a:t>
+            </a:r>
+            <a:endParaRPr lang="en-US" altLang="zh-CN" dirty="0" smtClean="0">
+              <a:latin typeface="微软雅黑" pitchFamily="34" charset="-122"/>
+              <a:ea typeface="微软雅黑" pitchFamily="34" charset="-122"/>
+            </a:endParaRPr>
+          </a:p>
+          <a:p>
+            <a:pPr>
+              <a:lnSpc>
+                <a:spcPct val="150000"/>
+              </a:lnSpc>
+            </a:pPr>
+            <a:r>
+              <a:rPr lang="zh-CN" altLang="en-US" dirty="0" smtClean="0">
+                <a:latin typeface="微软雅黑" pitchFamily="34" charset="-122"/>
+                <a:ea typeface="微软雅黑" pitchFamily="34" charset="-122"/>
+              </a:rPr>
+              <a:t>评价产品的性能、健壮性、安全性等。</a:t>
+            </a:r>
+            <a:endParaRPr lang="en-US" altLang="zh-CN" dirty="0" smtClean="0">
+              <a:latin typeface="微软雅黑" pitchFamily="34" charset="-122"/>
+              <a:ea typeface="微软雅黑" pitchFamily="34" charset="-122"/>
+            </a:endParaRPr>
+          </a:p>
+          <a:p>
+            <a:r>
+              <a:rPr lang="zh-CN" altLang="en-US" dirty="0" smtClean="0">
+                <a:latin typeface="微软雅黑" pitchFamily="34" charset="-122"/>
+                <a:ea typeface="微软雅黑" pitchFamily="34" charset="-122"/>
+              </a:rPr>
+              <a:t>在设计之初就需要纳入考虑，而不是在留在最后才解决。</a:t>
+            </a:r>
+            <a:endParaRPr lang="en-US" altLang="zh-CN" dirty="0" smtClean="0">
+              <a:latin typeface="微软雅黑" pitchFamily="34" charset="-122"/>
+              <a:ea typeface="微软雅黑" pitchFamily="34" charset="-122"/>
+            </a:endParaRPr>
+          </a:p>
+          <a:p>
+            <a:r>
+              <a:rPr lang="zh-CN" altLang="en-US" dirty="0" smtClean="0">
+                <a:latin typeface="微软雅黑" pitchFamily="34" charset="-122"/>
+                <a:ea typeface="微软雅黑" pitchFamily="34" charset="-122"/>
+              </a:rPr>
+              <a:t>评</a:t>
+            </a:r>
+            <a:r>
+              <a:rPr lang="zh-CN" altLang="en-US" dirty="0" smtClean="0">
+                <a:latin typeface="微软雅黑" pitchFamily="34" charset="-122"/>
+                <a:ea typeface="微软雅黑" pitchFamily="34" charset="-122"/>
+              </a:rPr>
+              <a:t>价产生的信息作为象限一、象限二的反馈。</a:t>
+            </a:r>
+            <a:endParaRPr lang="en-US" altLang="zh-CN" dirty="0" smtClean="0">
+              <a:latin typeface="微软雅黑" pitchFamily="34" charset="-122"/>
+              <a:ea typeface="微软雅黑" pitchFamily="34" charset="-122"/>
+            </a:endParaRPr>
+          </a:p>
+          <a:p>
+            <a:endParaRPr lang="en-US" altLang="zh-CN" dirty="0" smtClean="0">
+              <a:latin typeface="微软雅黑" pitchFamily="34" charset="-122"/>
+              <a:ea typeface="微软雅黑" pitchFamily="34" charset="-122"/>
+            </a:endParaRPr>
+          </a:p>
+          <a:p>
+            <a:endParaRPr lang="en-US" altLang="zh-CN" dirty="0" smtClean="0">
+              <a:latin typeface="微软雅黑" pitchFamily="34" charset="-122"/>
+              <a:ea typeface="微软雅黑" pitchFamily="34" charset="-122"/>
+            </a:endParaRPr>
+          </a:p>
+          <a:p>
+            <a:endParaRPr lang="en-US" altLang="zh-CN" dirty="0" smtClean="0">
+              <a:latin typeface="微软雅黑" pitchFamily="34" charset="-122"/>
+              <a:ea typeface="微软雅黑" pitchFamily="34" charset="-122"/>
+            </a:endParaRPr>
+          </a:p>
+          <a:p>
+            <a:endParaRPr lang="zh-CN" altLang="en-US" dirty="0">
+              <a:latin typeface="微软雅黑" pitchFamily="34" charset="-122"/>
+              <a:ea typeface="微软雅黑" pitchFamily="34" charset="-122"/>
+            </a:endParaRPr>
+          </a:p>
+        </p:txBody>
+      </p:sp>
+    </p:spTree>
+  </p:cSld>
+  <p:clrMapOvr>
+    <a:masterClrMapping/>
+  </p:clrMapOvr>
+</p:sld>
+</file>
+
+<file path=ppt/slides/slide9.xml><?xml version="1.0" encoding="utf-8"?>
+<p:sld xmlns:a="http://schemas.openxmlformats.org/drawingml/2006/main" xmlns:r="http://schemas.openxmlformats.org/officeDocument/2006/relationships" xmlns:p="http://schemas.openxmlformats.org/presentationml/2006/main">
+  <p:cSld>
+    <p:spTree>
+      <p:nvGrpSpPr>
+        <p:cNvPr id="1" name=""/>
+        <p:cNvGrpSpPr/>
+        <p:nvPr/>
+      </p:nvGrpSpPr>
+      <p:grpSpPr>
+        <a:xfrm>
+          <a:off x="0" y="0"/>
+          <a:ext cx="0" cy="0"/>
+          <a:chOff x="0" y="0"/>
+          <a:chExt cx="0" cy="0"/>
+        </a:xfrm>
+      </p:grpSpPr>
+      <p:sp>
+        <p:nvSpPr>
+          <p:cNvPr id="2" name="标题 1"/>
+          <p:cNvSpPr>
+            <a:spLocks noGrp="1"/>
+          </p:cNvSpPr>
+          <p:nvPr>
+            <p:ph type="title"/>
+          </p:nvPr>
+        </p:nvSpPr>
+        <p:spPr/>
+        <p:txBody>
+          <a:bodyPr/>
+          <a:lstStyle/>
+          <a:p>
+            <a:r>
+              <a:rPr lang="zh-CN" altLang="en-US" dirty="0" smtClean="0"/>
+              <a:t>测试象限的意义</a:t>
+            </a:r>
+            <a:endParaRPr lang="zh-CN" altLang="en-US" dirty="0"/>
+          </a:p>
+        </p:txBody>
+      </p:sp>
+      <p:sp>
+        <p:nvSpPr>
+          <p:cNvPr id="3" name="内容占位符 2"/>
+          <p:cNvSpPr>
+            <a:spLocks noGrp="1"/>
+          </p:cNvSpPr>
+          <p:nvPr>
+            <p:ph idx="1"/>
+          </p:nvPr>
+        </p:nvSpPr>
+        <p:spPr/>
+        <p:txBody>
+          <a:bodyPr/>
+          <a:lstStyle/>
+          <a:p>
+            <a:r>
+              <a:rPr lang="zh-CN" altLang="en-US" dirty="0" smtClean="0"/>
+              <a:t>使用</a:t>
+            </a:r>
+            <a:r>
+              <a:rPr lang="zh-CN" altLang="en-US" dirty="0" smtClean="0"/>
+              <a:t>敏捷测试象限来帮助确保所有必需的测试在正确的时间运行</a:t>
+            </a:r>
+            <a:endParaRPr lang="zh-CN" altLang="en-US" dirty="0"/>
+          </a:p>
+        </p:txBody>
+      </p:sp>
     </p:spTree>
   </p:cSld>
   <p:clrMapOvr>
